--- a/dokumentation/formelles/Folien_Mehmet.pptx
+++ b/dokumentation/formelles/Folien_Mehmet.pptx
@@ -13,7 +13,7 @@
   <p:sldIdLst>
     <p:sldId id="290" r:id="rId2"/>
     <p:sldId id="291" r:id="rId3"/>
-    <p:sldId id="287" r:id="rId4"/>
+    <p:sldId id="292" r:id="rId4"/>
     <p:sldId id="289" r:id="rId5"/>
   </p:sldIdLst>
   <p:sldSz cx="9144000" cy="6858000" type="screen4x3"/>
@@ -217,7 +217,7 @@
           <a:p>
             <a:fld id="{B139D998-7C81-4674-9065-53EB4AB65F35}" type="datetimeFigureOut">
               <a:rPr lang="de-DE" smtClean="0"/>
-              <a:t>09.01.2018</a:t>
+              <a:t>10.01.2018</a:t>
             </a:fld>
             <a:endParaRPr lang="de-DE"/>
           </a:p>
@@ -382,7 +382,7 @@
           <a:p>
             <a:fld id="{4030BD91-377E-4138-8E26-866633B26280}" type="datetimeFigureOut">
               <a:rPr lang="de-DE" smtClean="0"/>
-              <a:t>09.01.2018</a:t>
+              <a:t>10.01.2018</a:t>
             </a:fld>
             <a:endParaRPr lang="de-DE"/>
           </a:p>
@@ -7078,11 +7078,7 @@
           <a:p>
             <a:r>
               <a:rPr lang="de-DE" sz="1800" dirty="0" smtClean="0"/>
-              <a:t>Hardware-technisch / </a:t>
-            </a:r>
-            <a:r>
-              <a:rPr lang="de-DE" sz="1800" dirty="0" smtClean="0"/>
-              <a:t>Zusammenbau</a:t>
+              <a:t>Hardware-technisch / Zusammenbau</a:t>
             </a:r>
             <a:endParaRPr lang="de-DE" sz="1800" dirty="0"/>
           </a:p>
@@ -7388,15 +7384,7 @@
           <a:p>
             <a:r>
               <a:rPr lang="de-DE" sz="1800" dirty="0" smtClean="0"/>
-              <a:t>Hardware-technisch / Verkabelung </a:t>
-            </a:r>
-            <a:r>
-              <a:rPr lang="de-DE" sz="1800" dirty="0" smtClean="0"/>
-              <a:t>Spannungsversorgung </a:t>
-            </a:r>
-            <a:r>
-              <a:rPr lang="de-DE" sz="1800" dirty="0" smtClean="0"/>
-              <a:t>Übersicht</a:t>
+              <a:t>Hardware-technisch / Verkabelung Spannungsversorgung Übersicht</a:t>
             </a:r>
             <a:endParaRPr lang="de-DE" sz="1800" dirty="0"/>
           </a:p>
@@ -7433,8 +7421,8 @@
         </p:nvSpPr>
         <p:spPr>
           <a:xfrm>
-            <a:off x="4724720" y="2572218"/>
-            <a:ext cx="1838005" cy="812865"/>
+            <a:off x="4724721" y="2572218"/>
+            <a:ext cx="1706990" cy="812865"/>
           </a:xfrm>
           <a:prstGeom prst="rect">
             <a:avLst/>
@@ -7469,7 +7457,6 @@
               <a:rPr lang="de-DE" dirty="0" smtClean="0"/>
               <a:t> Pi 3</a:t>
             </a:r>
-            <a:endParaRPr lang="de-DE" dirty="0"/>
           </a:p>
           <a:p>
             <a:pPr algn="ctr"/>
@@ -7683,11 +7670,7 @@
             </a:r>
             <a:r>
               <a:rPr lang="de-DE" dirty="0" smtClean="0"/>
-              <a:t> </a:t>
-            </a:r>
-            <a:r>
-              <a:rPr lang="de-DE" dirty="0" smtClean="0"/>
-              <a:t>front &amp; back</a:t>
+              <a:t> front &amp; back</a:t>
             </a:r>
             <a:endParaRPr lang="de-DE" dirty="0"/>
           </a:p>
@@ -7701,7 +7684,7 @@
         </p:nvSpPr>
         <p:spPr>
           <a:xfrm>
-            <a:off x="5169850" y="3669136"/>
+            <a:off x="5010068" y="3670374"/>
             <a:ext cx="1402981" cy="380649"/>
           </a:xfrm>
           <a:prstGeom prst="rect">
@@ -7779,7 +7762,6 @@
               <a:rPr lang="de-DE" dirty="0" smtClean="0"/>
               <a:t>LEDs </a:t>
             </a:r>
-            <a:endParaRPr lang="de-DE" dirty="0" smtClean="0"/>
           </a:p>
           <a:p>
             <a:pPr algn="ctr"/>
@@ -7853,7 +7835,7 @@
         </p:nvSpPr>
         <p:spPr>
           <a:xfrm>
-            <a:off x="5190363" y="4554497"/>
+            <a:off x="5028730" y="4563078"/>
             <a:ext cx="1402981" cy="337092"/>
           </a:xfrm>
           <a:prstGeom prst="rect">
@@ -8379,8 +8361,8 @@
         </p:nvCxnSpPr>
         <p:spPr>
           <a:xfrm>
-            <a:off x="5636419" y="2203012"/>
-            <a:ext cx="7304" cy="369206"/>
+            <a:off x="5578216" y="2203012"/>
+            <a:ext cx="0" cy="369206"/>
           </a:xfrm>
           <a:prstGeom prst="line">
             <a:avLst/>
@@ -8418,7 +8400,7 @@
         <p:spPr>
           <a:xfrm flipH="1">
             <a:off x="4238378" y="2978651"/>
-            <a:ext cx="486342" cy="9760"/>
+            <a:ext cx="486343" cy="9760"/>
           </a:xfrm>
           <a:prstGeom prst="line">
             <a:avLst/>
@@ -8534,7 +8516,7 @@
         </p:nvCxnSpPr>
         <p:spPr>
           <a:xfrm rot="16200000" flipH="1">
-            <a:off x="4827308" y="3516919"/>
+            <a:off x="4667526" y="3518157"/>
             <a:ext cx="475616" cy="209468"/>
           </a:xfrm>
           <a:prstGeom prst="bentConnector2">
@@ -8571,7 +8553,7 @@
         </p:nvCxnSpPr>
         <p:spPr>
           <a:xfrm rot="10800000">
-            <a:off x="4962233" y="3386263"/>
+            <a:off x="4800600" y="3394844"/>
             <a:ext cx="228130" cy="1336781"/>
           </a:xfrm>
           <a:prstGeom prst="bentConnector2">
@@ -8749,7 +8731,7 @@
     </p:spTree>
     <p:extLst>
       <p:ext uri="{BB962C8B-B14F-4D97-AF65-F5344CB8AC3E}">
-        <p14:creationId xmlns:p14="http://schemas.microsoft.com/office/powerpoint/2010/main" val="2030162454"/>
+        <p14:creationId xmlns:p14="http://schemas.microsoft.com/office/powerpoint/2010/main" val="529682486"/>
       </p:ext>
     </p:extLst>
   </p:cSld>
@@ -8759,9 +8741,2460 @@
   <p:timing>
     <p:tnLst>
       <p:par>
-        <p:cTn id="1" dur="indefinite" restart="never" nodeType="tmRoot"/>
+        <p:cTn id="1" dur="indefinite" restart="never" nodeType="tmRoot">
+          <p:childTnLst>
+            <p:seq concurrent="1" nextAc="seek">
+              <p:cTn id="2" dur="indefinite" nodeType="mainSeq">
+                <p:childTnLst>
+                  <p:par>
+                    <p:cTn id="3" fill="hold">
+                      <p:stCondLst>
+                        <p:cond delay="indefinite"/>
+                      </p:stCondLst>
+                      <p:childTnLst>
+                        <p:par>
+                          <p:cTn id="4" fill="hold">
+                            <p:stCondLst>
+                              <p:cond delay="0"/>
+                            </p:stCondLst>
+                            <p:childTnLst>
+                              <p:par>
+                                <p:cTn id="5" presetID="42" presetClass="entr" presetSubtype="0" fill="hold" grpId="0" nodeType="clickEffect">
+                                  <p:stCondLst>
+                                    <p:cond delay="0"/>
+                                  </p:stCondLst>
+                                  <p:childTnLst>
+                                    <p:set>
+                                      <p:cBhvr>
+                                        <p:cTn id="6" dur="1" fill="hold">
+                                          <p:stCondLst>
+                                            <p:cond delay="0"/>
+                                          </p:stCondLst>
+                                        </p:cTn>
+                                        <p:tgtEl>
+                                          <p:spTgt spid="15"/>
+                                        </p:tgtEl>
+                                        <p:attrNameLst>
+                                          <p:attrName>style.visibility</p:attrName>
+                                        </p:attrNameLst>
+                                      </p:cBhvr>
+                                      <p:to>
+                                        <p:strVal val="visible"/>
+                                      </p:to>
+                                    </p:set>
+                                    <p:animEffect transition="in" filter="fade">
+                                      <p:cBhvr>
+                                        <p:cTn id="7" dur="1000"/>
+                                        <p:tgtEl>
+                                          <p:spTgt spid="15"/>
+                                        </p:tgtEl>
+                                      </p:cBhvr>
+                                    </p:animEffect>
+                                    <p:anim calcmode="lin" valueType="num">
+                                      <p:cBhvr>
+                                        <p:cTn id="8" dur="1000" fill="hold"/>
+                                        <p:tgtEl>
+                                          <p:spTgt spid="15"/>
+                                        </p:tgtEl>
+                                        <p:attrNameLst>
+                                          <p:attrName>ppt_x</p:attrName>
+                                        </p:attrNameLst>
+                                      </p:cBhvr>
+                                      <p:tavLst>
+                                        <p:tav tm="0">
+                                          <p:val>
+                                            <p:strVal val="#ppt_x"/>
+                                          </p:val>
+                                        </p:tav>
+                                        <p:tav tm="100000">
+                                          <p:val>
+                                            <p:strVal val="#ppt_x"/>
+                                          </p:val>
+                                        </p:tav>
+                                      </p:tavLst>
+                                    </p:anim>
+                                    <p:anim calcmode="lin" valueType="num">
+                                      <p:cBhvr>
+                                        <p:cTn id="9" dur="1000" fill="hold"/>
+                                        <p:tgtEl>
+                                          <p:spTgt spid="15"/>
+                                        </p:tgtEl>
+                                        <p:attrNameLst>
+                                          <p:attrName>ppt_y</p:attrName>
+                                        </p:attrNameLst>
+                                      </p:cBhvr>
+                                      <p:tavLst>
+                                        <p:tav tm="0">
+                                          <p:val>
+                                            <p:strVal val="#ppt_y+.1"/>
+                                          </p:val>
+                                        </p:tav>
+                                        <p:tav tm="100000">
+                                          <p:val>
+                                            <p:strVal val="#ppt_y"/>
+                                          </p:val>
+                                        </p:tav>
+                                      </p:tavLst>
+                                    </p:anim>
+                                  </p:childTnLst>
+                                </p:cTn>
+                              </p:par>
+                              <p:par>
+                                <p:cTn id="10" presetID="42" presetClass="entr" presetSubtype="0" fill="hold" nodeType="withEffect">
+                                  <p:stCondLst>
+                                    <p:cond delay="0"/>
+                                  </p:stCondLst>
+                                  <p:childTnLst>
+                                    <p:set>
+                                      <p:cBhvr>
+                                        <p:cTn id="11" dur="1" fill="hold">
+                                          <p:stCondLst>
+                                            <p:cond delay="0"/>
+                                          </p:stCondLst>
+                                        </p:cTn>
+                                        <p:tgtEl>
+                                          <p:spTgt spid="17"/>
+                                        </p:tgtEl>
+                                        <p:attrNameLst>
+                                          <p:attrName>style.visibility</p:attrName>
+                                        </p:attrNameLst>
+                                      </p:cBhvr>
+                                      <p:to>
+                                        <p:strVal val="visible"/>
+                                      </p:to>
+                                    </p:set>
+                                    <p:animEffect transition="in" filter="fade">
+                                      <p:cBhvr>
+                                        <p:cTn id="12" dur="1000"/>
+                                        <p:tgtEl>
+                                          <p:spTgt spid="17"/>
+                                        </p:tgtEl>
+                                      </p:cBhvr>
+                                    </p:animEffect>
+                                    <p:anim calcmode="lin" valueType="num">
+                                      <p:cBhvr>
+                                        <p:cTn id="13" dur="1000" fill="hold"/>
+                                        <p:tgtEl>
+                                          <p:spTgt spid="17"/>
+                                        </p:tgtEl>
+                                        <p:attrNameLst>
+                                          <p:attrName>ppt_x</p:attrName>
+                                        </p:attrNameLst>
+                                      </p:cBhvr>
+                                      <p:tavLst>
+                                        <p:tav tm="0">
+                                          <p:val>
+                                            <p:strVal val="#ppt_x"/>
+                                          </p:val>
+                                        </p:tav>
+                                        <p:tav tm="100000">
+                                          <p:val>
+                                            <p:strVal val="#ppt_x"/>
+                                          </p:val>
+                                        </p:tav>
+                                      </p:tavLst>
+                                    </p:anim>
+                                    <p:anim calcmode="lin" valueType="num">
+                                      <p:cBhvr>
+                                        <p:cTn id="14" dur="1000" fill="hold"/>
+                                        <p:tgtEl>
+                                          <p:spTgt spid="17"/>
+                                        </p:tgtEl>
+                                        <p:attrNameLst>
+                                          <p:attrName>ppt_y</p:attrName>
+                                        </p:attrNameLst>
+                                      </p:cBhvr>
+                                      <p:tavLst>
+                                        <p:tav tm="0">
+                                          <p:val>
+                                            <p:strVal val="#ppt_y+.1"/>
+                                          </p:val>
+                                        </p:tav>
+                                        <p:tav tm="100000">
+                                          <p:val>
+                                            <p:strVal val="#ppt_y"/>
+                                          </p:val>
+                                        </p:tav>
+                                      </p:tavLst>
+                                    </p:anim>
+                                  </p:childTnLst>
+                                </p:cTn>
+                              </p:par>
+                            </p:childTnLst>
+                          </p:cTn>
+                        </p:par>
+                      </p:childTnLst>
+                    </p:cTn>
+                  </p:par>
+                  <p:par>
+                    <p:cTn id="15" fill="hold">
+                      <p:stCondLst>
+                        <p:cond delay="indefinite"/>
+                      </p:stCondLst>
+                      <p:childTnLst>
+                        <p:par>
+                          <p:cTn id="16" fill="hold">
+                            <p:stCondLst>
+                              <p:cond delay="0"/>
+                            </p:stCondLst>
+                            <p:childTnLst>
+                              <p:par>
+                                <p:cTn id="17" presetID="42" presetClass="entr" presetSubtype="0" fill="hold" grpId="0" nodeType="clickEffect">
+                                  <p:stCondLst>
+                                    <p:cond delay="0"/>
+                                  </p:stCondLst>
+                                  <p:childTnLst>
+                                    <p:set>
+                                      <p:cBhvr>
+                                        <p:cTn id="18" dur="1" fill="hold">
+                                          <p:stCondLst>
+                                            <p:cond delay="0"/>
+                                          </p:stCondLst>
+                                        </p:cTn>
+                                        <p:tgtEl>
+                                          <p:spTgt spid="2"/>
+                                        </p:tgtEl>
+                                        <p:attrNameLst>
+                                          <p:attrName>style.visibility</p:attrName>
+                                        </p:attrNameLst>
+                                      </p:cBhvr>
+                                      <p:to>
+                                        <p:strVal val="visible"/>
+                                      </p:to>
+                                    </p:set>
+                                    <p:animEffect transition="in" filter="fade">
+                                      <p:cBhvr>
+                                        <p:cTn id="19" dur="1000"/>
+                                        <p:tgtEl>
+                                          <p:spTgt spid="2"/>
+                                        </p:tgtEl>
+                                      </p:cBhvr>
+                                    </p:animEffect>
+                                    <p:anim calcmode="lin" valueType="num">
+                                      <p:cBhvr>
+                                        <p:cTn id="20" dur="1000" fill="hold"/>
+                                        <p:tgtEl>
+                                          <p:spTgt spid="2"/>
+                                        </p:tgtEl>
+                                        <p:attrNameLst>
+                                          <p:attrName>ppt_x</p:attrName>
+                                        </p:attrNameLst>
+                                      </p:cBhvr>
+                                      <p:tavLst>
+                                        <p:tav tm="0">
+                                          <p:val>
+                                            <p:strVal val="#ppt_x"/>
+                                          </p:val>
+                                        </p:tav>
+                                        <p:tav tm="100000">
+                                          <p:val>
+                                            <p:strVal val="#ppt_x"/>
+                                          </p:val>
+                                        </p:tav>
+                                      </p:tavLst>
+                                    </p:anim>
+                                    <p:anim calcmode="lin" valueType="num">
+                                      <p:cBhvr>
+                                        <p:cTn id="21" dur="1000" fill="hold"/>
+                                        <p:tgtEl>
+                                          <p:spTgt spid="2"/>
+                                        </p:tgtEl>
+                                        <p:attrNameLst>
+                                          <p:attrName>ppt_y</p:attrName>
+                                        </p:attrNameLst>
+                                      </p:cBhvr>
+                                      <p:tavLst>
+                                        <p:tav tm="0">
+                                          <p:val>
+                                            <p:strVal val="#ppt_y+.1"/>
+                                          </p:val>
+                                        </p:tav>
+                                        <p:tav tm="100000">
+                                          <p:val>
+                                            <p:strVal val="#ppt_y"/>
+                                          </p:val>
+                                        </p:tav>
+                                      </p:tavLst>
+                                    </p:anim>
+                                  </p:childTnLst>
+                                </p:cTn>
+                              </p:par>
+                              <p:par>
+                                <p:cTn id="22" presetID="42" presetClass="entr" presetSubtype="0" fill="hold" nodeType="withEffect">
+                                  <p:stCondLst>
+                                    <p:cond delay="0"/>
+                                  </p:stCondLst>
+                                  <p:childTnLst>
+                                    <p:set>
+                                      <p:cBhvr>
+                                        <p:cTn id="23" dur="1" fill="hold">
+                                          <p:stCondLst>
+                                            <p:cond delay="0"/>
+                                          </p:stCondLst>
+                                        </p:cTn>
+                                        <p:tgtEl>
+                                          <p:spTgt spid="13"/>
+                                        </p:tgtEl>
+                                        <p:attrNameLst>
+                                          <p:attrName>style.visibility</p:attrName>
+                                        </p:attrNameLst>
+                                      </p:cBhvr>
+                                      <p:to>
+                                        <p:strVal val="visible"/>
+                                      </p:to>
+                                    </p:set>
+                                    <p:animEffect transition="in" filter="fade">
+                                      <p:cBhvr>
+                                        <p:cTn id="24" dur="1000"/>
+                                        <p:tgtEl>
+                                          <p:spTgt spid="13"/>
+                                        </p:tgtEl>
+                                      </p:cBhvr>
+                                    </p:animEffect>
+                                    <p:anim calcmode="lin" valueType="num">
+                                      <p:cBhvr>
+                                        <p:cTn id="25" dur="1000" fill="hold"/>
+                                        <p:tgtEl>
+                                          <p:spTgt spid="13"/>
+                                        </p:tgtEl>
+                                        <p:attrNameLst>
+                                          <p:attrName>ppt_x</p:attrName>
+                                        </p:attrNameLst>
+                                      </p:cBhvr>
+                                      <p:tavLst>
+                                        <p:tav tm="0">
+                                          <p:val>
+                                            <p:strVal val="#ppt_x"/>
+                                          </p:val>
+                                        </p:tav>
+                                        <p:tav tm="100000">
+                                          <p:val>
+                                            <p:strVal val="#ppt_x"/>
+                                          </p:val>
+                                        </p:tav>
+                                      </p:tavLst>
+                                    </p:anim>
+                                    <p:anim calcmode="lin" valueType="num">
+                                      <p:cBhvr>
+                                        <p:cTn id="26" dur="1000" fill="hold"/>
+                                        <p:tgtEl>
+                                          <p:spTgt spid="13"/>
+                                        </p:tgtEl>
+                                        <p:attrNameLst>
+                                          <p:attrName>ppt_y</p:attrName>
+                                        </p:attrNameLst>
+                                      </p:cBhvr>
+                                      <p:tavLst>
+                                        <p:tav tm="0">
+                                          <p:val>
+                                            <p:strVal val="#ppt_y+.1"/>
+                                          </p:val>
+                                        </p:tav>
+                                        <p:tav tm="100000">
+                                          <p:val>
+                                            <p:strVal val="#ppt_y"/>
+                                          </p:val>
+                                        </p:tav>
+                                      </p:tavLst>
+                                    </p:anim>
+                                  </p:childTnLst>
+                                </p:cTn>
+                              </p:par>
+                            </p:childTnLst>
+                          </p:cTn>
+                        </p:par>
+                      </p:childTnLst>
+                    </p:cTn>
+                  </p:par>
+                  <p:par>
+                    <p:cTn id="27" fill="hold">
+                      <p:stCondLst>
+                        <p:cond delay="indefinite"/>
+                      </p:stCondLst>
+                      <p:childTnLst>
+                        <p:par>
+                          <p:cTn id="28" fill="hold">
+                            <p:stCondLst>
+                              <p:cond delay="0"/>
+                            </p:stCondLst>
+                            <p:childTnLst>
+                              <p:par>
+                                <p:cTn id="29" presetID="42" presetClass="entr" presetSubtype="0" fill="hold" grpId="0" nodeType="clickEffect">
+                                  <p:stCondLst>
+                                    <p:cond delay="0"/>
+                                  </p:stCondLst>
+                                  <p:childTnLst>
+                                    <p:set>
+                                      <p:cBhvr>
+                                        <p:cTn id="30" dur="1" fill="hold">
+                                          <p:stCondLst>
+                                            <p:cond delay="0"/>
+                                          </p:stCondLst>
+                                        </p:cTn>
+                                        <p:tgtEl>
+                                          <p:spTgt spid="6"/>
+                                        </p:tgtEl>
+                                        <p:attrNameLst>
+                                          <p:attrName>style.visibility</p:attrName>
+                                        </p:attrNameLst>
+                                      </p:cBhvr>
+                                      <p:to>
+                                        <p:strVal val="visible"/>
+                                      </p:to>
+                                    </p:set>
+                                    <p:animEffect transition="in" filter="fade">
+                                      <p:cBhvr>
+                                        <p:cTn id="31" dur="1000"/>
+                                        <p:tgtEl>
+                                          <p:spTgt spid="6"/>
+                                        </p:tgtEl>
+                                      </p:cBhvr>
+                                    </p:animEffect>
+                                    <p:anim calcmode="lin" valueType="num">
+                                      <p:cBhvr>
+                                        <p:cTn id="32" dur="1000" fill="hold"/>
+                                        <p:tgtEl>
+                                          <p:spTgt spid="6"/>
+                                        </p:tgtEl>
+                                        <p:attrNameLst>
+                                          <p:attrName>ppt_x</p:attrName>
+                                        </p:attrNameLst>
+                                      </p:cBhvr>
+                                      <p:tavLst>
+                                        <p:tav tm="0">
+                                          <p:val>
+                                            <p:strVal val="#ppt_x"/>
+                                          </p:val>
+                                        </p:tav>
+                                        <p:tav tm="100000">
+                                          <p:val>
+                                            <p:strVal val="#ppt_x"/>
+                                          </p:val>
+                                        </p:tav>
+                                      </p:tavLst>
+                                    </p:anim>
+                                    <p:anim calcmode="lin" valueType="num">
+                                      <p:cBhvr>
+                                        <p:cTn id="33" dur="1000" fill="hold"/>
+                                        <p:tgtEl>
+                                          <p:spTgt spid="6"/>
+                                        </p:tgtEl>
+                                        <p:attrNameLst>
+                                          <p:attrName>ppt_y</p:attrName>
+                                        </p:attrNameLst>
+                                      </p:cBhvr>
+                                      <p:tavLst>
+                                        <p:tav tm="0">
+                                          <p:val>
+                                            <p:strVal val="#ppt_y+.1"/>
+                                          </p:val>
+                                        </p:tav>
+                                        <p:tav tm="100000">
+                                          <p:val>
+                                            <p:strVal val="#ppt_y"/>
+                                          </p:val>
+                                        </p:tav>
+                                      </p:tavLst>
+                                    </p:anim>
+                                  </p:childTnLst>
+                                </p:cTn>
+                              </p:par>
+                              <p:par>
+                                <p:cTn id="34" presetID="42" presetClass="entr" presetSubtype="0" fill="hold" nodeType="withEffect">
+                                  <p:stCondLst>
+                                    <p:cond delay="0"/>
+                                  </p:stCondLst>
+                                  <p:childTnLst>
+                                    <p:set>
+                                      <p:cBhvr>
+                                        <p:cTn id="35" dur="1" fill="hold">
+                                          <p:stCondLst>
+                                            <p:cond delay="0"/>
+                                          </p:stCondLst>
+                                        </p:cTn>
+                                        <p:tgtEl>
+                                          <p:spTgt spid="22"/>
+                                        </p:tgtEl>
+                                        <p:attrNameLst>
+                                          <p:attrName>style.visibility</p:attrName>
+                                        </p:attrNameLst>
+                                      </p:cBhvr>
+                                      <p:to>
+                                        <p:strVal val="visible"/>
+                                      </p:to>
+                                    </p:set>
+                                    <p:animEffect transition="in" filter="fade">
+                                      <p:cBhvr>
+                                        <p:cTn id="36" dur="1000"/>
+                                        <p:tgtEl>
+                                          <p:spTgt spid="22"/>
+                                        </p:tgtEl>
+                                      </p:cBhvr>
+                                    </p:animEffect>
+                                    <p:anim calcmode="lin" valueType="num">
+                                      <p:cBhvr>
+                                        <p:cTn id="37" dur="1000" fill="hold"/>
+                                        <p:tgtEl>
+                                          <p:spTgt spid="22"/>
+                                        </p:tgtEl>
+                                        <p:attrNameLst>
+                                          <p:attrName>ppt_x</p:attrName>
+                                        </p:attrNameLst>
+                                      </p:cBhvr>
+                                      <p:tavLst>
+                                        <p:tav tm="0">
+                                          <p:val>
+                                            <p:strVal val="#ppt_x"/>
+                                          </p:val>
+                                        </p:tav>
+                                        <p:tav tm="100000">
+                                          <p:val>
+                                            <p:strVal val="#ppt_x"/>
+                                          </p:val>
+                                        </p:tav>
+                                      </p:tavLst>
+                                    </p:anim>
+                                    <p:anim calcmode="lin" valueType="num">
+                                      <p:cBhvr>
+                                        <p:cTn id="38" dur="1000" fill="hold"/>
+                                        <p:tgtEl>
+                                          <p:spTgt spid="22"/>
+                                        </p:tgtEl>
+                                        <p:attrNameLst>
+                                          <p:attrName>ppt_y</p:attrName>
+                                        </p:attrNameLst>
+                                      </p:cBhvr>
+                                      <p:tavLst>
+                                        <p:tav tm="0">
+                                          <p:val>
+                                            <p:strVal val="#ppt_y+.1"/>
+                                          </p:val>
+                                        </p:tav>
+                                        <p:tav tm="100000">
+                                          <p:val>
+                                            <p:strVal val="#ppt_y"/>
+                                          </p:val>
+                                        </p:tav>
+                                      </p:tavLst>
+                                    </p:anim>
+                                  </p:childTnLst>
+                                </p:cTn>
+                              </p:par>
+                            </p:childTnLst>
+                          </p:cTn>
+                        </p:par>
+                      </p:childTnLst>
+                    </p:cTn>
+                  </p:par>
+                  <p:par>
+                    <p:cTn id="39" fill="hold">
+                      <p:stCondLst>
+                        <p:cond delay="indefinite"/>
+                      </p:stCondLst>
+                      <p:childTnLst>
+                        <p:par>
+                          <p:cTn id="40" fill="hold">
+                            <p:stCondLst>
+                              <p:cond delay="0"/>
+                            </p:stCondLst>
+                            <p:childTnLst>
+                              <p:par>
+                                <p:cTn id="41" presetID="42" presetClass="entr" presetSubtype="0" fill="hold" grpId="0" nodeType="clickEffect">
+                                  <p:stCondLst>
+                                    <p:cond delay="0"/>
+                                  </p:stCondLst>
+                                  <p:childTnLst>
+                                    <p:set>
+                                      <p:cBhvr>
+                                        <p:cTn id="42" dur="1" fill="hold">
+                                          <p:stCondLst>
+                                            <p:cond delay="0"/>
+                                          </p:stCondLst>
+                                        </p:cTn>
+                                        <p:tgtEl>
+                                          <p:spTgt spid="25"/>
+                                        </p:tgtEl>
+                                        <p:attrNameLst>
+                                          <p:attrName>style.visibility</p:attrName>
+                                        </p:attrNameLst>
+                                      </p:cBhvr>
+                                      <p:to>
+                                        <p:strVal val="visible"/>
+                                      </p:to>
+                                    </p:set>
+                                    <p:animEffect transition="in" filter="fade">
+                                      <p:cBhvr>
+                                        <p:cTn id="43" dur="1000"/>
+                                        <p:tgtEl>
+                                          <p:spTgt spid="25"/>
+                                        </p:tgtEl>
+                                      </p:cBhvr>
+                                    </p:animEffect>
+                                    <p:anim calcmode="lin" valueType="num">
+                                      <p:cBhvr>
+                                        <p:cTn id="44" dur="1000" fill="hold"/>
+                                        <p:tgtEl>
+                                          <p:spTgt spid="25"/>
+                                        </p:tgtEl>
+                                        <p:attrNameLst>
+                                          <p:attrName>ppt_x</p:attrName>
+                                        </p:attrNameLst>
+                                      </p:cBhvr>
+                                      <p:tavLst>
+                                        <p:tav tm="0">
+                                          <p:val>
+                                            <p:strVal val="#ppt_x"/>
+                                          </p:val>
+                                        </p:tav>
+                                        <p:tav tm="100000">
+                                          <p:val>
+                                            <p:strVal val="#ppt_x"/>
+                                          </p:val>
+                                        </p:tav>
+                                      </p:tavLst>
+                                    </p:anim>
+                                    <p:anim calcmode="lin" valueType="num">
+                                      <p:cBhvr>
+                                        <p:cTn id="45" dur="1000" fill="hold"/>
+                                        <p:tgtEl>
+                                          <p:spTgt spid="25"/>
+                                        </p:tgtEl>
+                                        <p:attrNameLst>
+                                          <p:attrName>ppt_y</p:attrName>
+                                        </p:attrNameLst>
+                                      </p:cBhvr>
+                                      <p:tavLst>
+                                        <p:tav tm="0">
+                                          <p:val>
+                                            <p:strVal val="#ppt_y+.1"/>
+                                          </p:val>
+                                        </p:tav>
+                                        <p:tav tm="100000">
+                                          <p:val>
+                                            <p:strVal val="#ppt_y"/>
+                                          </p:val>
+                                        </p:tav>
+                                      </p:tavLst>
+                                    </p:anim>
+                                  </p:childTnLst>
+                                </p:cTn>
+                              </p:par>
+                              <p:par>
+                                <p:cTn id="46" presetID="42" presetClass="entr" presetSubtype="0" fill="hold" nodeType="withEffect">
+                                  <p:stCondLst>
+                                    <p:cond delay="0"/>
+                                  </p:stCondLst>
+                                  <p:childTnLst>
+                                    <p:set>
+                                      <p:cBhvr>
+                                        <p:cTn id="47" dur="1" fill="hold">
+                                          <p:stCondLst>
+                                            <p:cond delay="0"/>
+                                          </p:stCondLst>
+                                        </p:cTn>
+                                        <p:tgtEl>
+                                          <p:spTgt spid="26"/>
+                                        </p:tgtEl>
+                                        <p:attrNameLst>
+                                          <p:attrName>style.visibility</p:attrName>
+                                        </p:attrNameLst>
+                                      </p:cBhvr>
+                                      <p:to>
+                                        <p:strVal val="visible"/>
+                                      </p:to>
+                                    </p:set>
+                                    <p:animEffect transition="in" filter="fade">
+                                      <p:cBhvr>
+                                        <p:cTn id="48" dur="1000"/>
+                                        <p:tgtEl>
+                                          <p:spTgt spid="26"/>
+                                        </p:tgtEl>
+                                      </p:cBhvr>
+                                    </p:animEffect>
+                                    <p:anim calcmode="lin" valueType="num">
+                                      <p:cBhvr>
+                                        <p:cTn id="49" dur="1000" fill="hold"/>
+                                        <p:tgtEl>
+                                          <p:spTgt spid="26"/>
+                                        </p:tgtEl>
+                                        <p:attrNameLst>
+                                          <p:attrName>ppt_x</p:attrName>
+                                        </p:attrNameLst>
+                                      </p:cBhvr>
+                                      <p:tavLst>
+                                        <p:tav tm="0">
+                                          <p:val>
+                                            <p:strVal val="#ppt_x"/>
+                                          </p:val>
+                                        </p:tav>
+                                        <p:tav tm="100000">
+                                          <p:val>
+                                            <p:strVal val="#ppt_x"/>
+                                          </p:val>
+                                        </p:tav>
+                                      </p:tavLst>
+                                    </p:anim>
+                                    <p:anim calcmode="lin" valueType="num">
+                                      <p:cBhvr>
+                                        <p:cTn id="50" dur="1000" fill="hold"/>
+                                        <p:tgtEl>
+                                          <p:spTgt spid="26"/>
+                                        </p:tgtEl>
+                                        <p:attrNameLst>
+                                          <p:attrName>ppt_y</p:attrName>
+                                        </p:attrNameLst>
+                                      </p:cBhvr>
+                                      <p:tavLst>
+                                        <p:tav tm="0">
+                                          <p:val>
+                                            <p:strVal val="#ppt_y+.1"/>
+                                          </p:val>
+                                        </p:tav>
+                                        <p:tav tm="100000">
+                                          <p:val>
+                                            <p:strVal val="#ppt_y"/>
+                                          </p:val>
+                                        </p:tav>
+                                      </p:tavLst>
+                                    </p:anim>
+                                  </p:childTnLst>
+                                </p:cTn>
+                              </p:par>
+                            </p:childTnLst>
+                          </p:cTn>
+                        </p:par>
+                      </p:childTnLst>
+                    </p:cTn>
+                  </p:par>
+                  <p:par>
+                    <p:cTn id="51" fill="hold">
+                      <p:stCondLst>
+                        <p:cond delay="indefinite"/>
+                      </p:stCondLst>
+                      <p:childTnLst>
+                        <p:par>
+                          <p:cTn id="52" fill="hold">
+                            <p:stCondLst>
+                              <p:cond delay="0"/>
+                            </p:stCondLst>
+                            <p:childTnLst>
+                              <p:par>
+                                <p:cTn id="53" presetID="42" presetClass="entr" presetSubtype="0" fill="hold" grpId="0" nodeType="clickEffect">
+                                  <p:stCondLst>
+                                    <p:cond delay="0"/>
+                                  </p:stCondLst>
+                                  <p:childTnLst>
+                                    <p:set>
+                                      <p:cBhvr>
+                                        <p:cTn id="54" dur="1" fill="hold">
+                                          <p:stCondLst>
+                                            <p:cond delay="0"/>
+                                          </p:stCondLst>
+                                        </p:cTn>
+                                        <p:tgtEl>
+                                          <p:spTgt spid="21"/>
+                                        </p:tgtEl>
+                                        <p:attrNameLst>
+                                          <p:attrName>style.visibility</p:attrName>
+                                        </p:attrNameLst>
+                                      </p:cBhvr>
+                                      <p:to>
+                                        <p:strVal val="visible"/>
+                                      </p:to>
+                                    </p:set>
+                                    <p:animEffect transition="in" filter="fade">
+                                      <p:cBhvr>
+                                        <p:cTn id="55" dur="1000"/>
+                                        <p:tgtEl>
+                                          <p:spTgt spid="21"/>
+                                        </p:tgtEl>
+                                      </p:cBhvr>
+                                    </p:animEffect>
+                                    <p:anim calcmode="lin" valueType="num">
+                                      <p:cBhvr>
+                                        <p:cTn id="56" dur="1000" fill="hold"/>
+                                        <p:tgtEl>
+                                          <p:spTgt spid="21"/>
+                                        </p:tgtEl>
+                                        <p:attrNameLst>
+                                          <p:attrName>ppt_x</p:attrName>
+                                        </p:attrNameLst>
+                                      </p:cBhvr>
+                                      <p:tavLst>
+                                        <p:tav tm="0">
+                                          <p:val>
+                                            <p:strVal val="#ppt_x"/>
+                                          </p:val>
+                                        </p:tav>
+                                        <p:tav tm="100000">
+                                          <p:val>
+                                            <p:strVal val="#ppt_x"/>
+                                          </p:val>
+                                        </p:tav>
+                                      </p:tavLst>
+                                    </p:anim>
+                                    <p:anim calcmode="lin" valueType="num">
+                                      <p:cBhvr>
+                                        <p:cTn id="57" dur="1000" fill="hold"/>
+                                        <p:tgtEl>
+                                          <p:spTgt spid="21"/>
+                                        </p:tgtEl>
+                                        <p:attrNameLst>
+                                          <p:attrName>ppt_y</p:attrName>
+                                        </p:attrNameLst>
+                                      </p:cBhvr>
+                                      <p:tavLst>
+                                        <p:tav tm="0">
+                                          <p:val>
+                                            <p:strVal val="#ppt_y+.1"/>
+                                          </p:val>
+                                        </p:tav>
+                                        <p:tav tm="100000">
+                                          <p:val>
+                                            <p:strVal val="#ppt_y"/>
+                                          </p:val>
+                                        </p:tav>
+                                      </p:tavLst>
+                                    </p:anim>
+                                  </p:childTnLst>
+                                </p:cTn>
+                              </p:par>
+                              <p:par>
+                                <p:cTn id="58" presetID="42" presetClass="entr" presetSubtype="0" fill="hold" nodeType="withEffect">
+                                  <p:stCondLst>
+                                    <p:cond delay="0"/>
+                                  </p:stCondLst>
+                                  <p:childTnLst>
+                                    <p:set>
+                                      <p:cBhvr>
+                                        <p:cTn id="59" dur="1" fill="hold">
+                                          <p:stCondLst>
+                                            <p:cond delay="0"/>
+                                          </p:stCondLst>
+                                        </p:cTn>
+                                        <p:tgtEl>
+                                          <p:spTgt spid="81"/>
+                                        </p:tgtEl>
+                                        <p:attrNameLst>
+                                          <p:attrName>style.visibility</p:attrName>
+                                        </p:attrNameLst>
+                                      </p:cBhvr>
+                                      <p:to>
+                                        <p:strVal val="visible"/>
+                                      </p:to>
+                                    </p:set>
+                                    <p:animEffect transition="in" filter="fade">
+                                      <p:cBhvr>
+                                        <p:cTn id="60" dur="1000"/>
+                                        <p:tgtEl>
+                                          <p:spTgt spid="81"/>
+                                        </p:tgtEl>
+                                      </p:cBhvr>
+                                    </p:animEffect>
+                                    <p:anim calcmode="lin" valueType="num">
+                                      <p:cBhvr>
+                                        <p:cTn id="61" dur="1000" fill="hold"/>
+                                        <p:tgtEl>
+                                          <p:spTgt spid="81"/>
+                                        </p:tgtEl>
+                                        <p:attrNameLst>
+                                          <p:attrName>ppt_x</p:attrName>
+                                        </p:attrNameLst>
+                                      </p:cBhvr>
+                                      <p:tavLst>
+                                        <p:tav tm="0">
+                                          <p:val>
+                                            <p:strVal val="#ppt_x"/>
+                                          </p:val>
+                                        </p:tav>
+                                        <p:tav tm="100000">
+                                          <p:val>
+                                            <p:strVal val="#ppt_x"/>
+                                          </p:val>
+                                        </p:tav>
+                                      </p:tavLst>
+                                    </p:anim>
+                                    <p:anim calcmode="lin" valueType="num">
+                                      <p:cBhvr>
+                                        <p:cTn id="62" dur="1000" fill="hold"/>
+                                        <p:tgtEl>
+                                          <p:spTgt spid="81"/>
+                                        </p:tgtEl>
+                                        <p:attrNameLst>
+                                          <p:attrName>ppt_y</p:attrName>
+                                        </p:attrNameLst>
+                                      </p:cBhvr>
+                                      <p:tavLst>
+                                        <p:tav tm="0">
+                                          <p:val>
+                                            <p:strVal val="#ppt_y+.1"/>
+                                          </p:val>
+                                        </p:tav>
+                                        <p:tav tm="100000">
+                                          <p:val>
+                                            <p:strVal val="#ppt_y"/>
+                                          </p:val>
+                                        </p:tav>
+                                      </p:tavLst>
+                                    </p:anim>
+                                  </p:childTnLst>
+                                </p:cTn>
+                              </p:par>
+                              <p:par>
+                                <p:cTn id="63" presetID="42" presetClass="entr" presetSubtype="0" fill="hold" grpId="0" nodeType="withEffect">
+                                  <p:stCondLst>
+                                    <p:cond delay="1000"/>
+                                  </p:stCondLst>
+                                  <p:childTnLst>
+                                    <p:set>
+                                      <p:cBhvr>
+                                        <p:cTn id="64" dur="1" fill="hold">
+                                          <p:stCondLst>
+                                            <p:cond delay="0"/>
+                                          </p:stCondLst>
+                                        </p:cTn>
+                                        <p:tgtEl>
+                                          <p:spTgt spid="28"/>
+                                        </p:tgtEl>
+                                        <p:attrNameLst>
+                                          <p:attrName>style.visibility</p:attrName>
+                                        </p:attrNameLst>
+                                      </p:cBhvr>
+                                      <p:to>
+                                        <p:strVal val="visible"/>
+                                      </p:to>
+                                    </p:set>
+                                    <p:animEffect transition="in" filter="fade">
+                                      <p:cBhvr>
+                                        <p:cTn id="65" dur="1000"/>
+                                        <p:tgtEl>
+                                          <p:spTgt spid="28"/>
+                                        </p:tgtEl>
+                                      </p:cBhvr>
+                                    </p:animEffect>
+                                    <p:anim calcmode="lin" valueType="num">
+                                      <p:cBhvr>
+                                        <p:cTn id="66" dur="1000" fill="hold"/>
+                                        <p:tgtEl>
+                                          <p:spTgt spid="28"/>
+                                        </p:tgtEl>
+                                        <p:attrNameLst>
+                                          <p:attrName>ppt_x</p:attrName>
+                                        </p:attrNameLst>
+                                      </p:cBhvr>
+                                      <p:tavLst>
+                                        <p:tav tm="0">
+                                          <p:val>
+                                            <p:strVal val="#ppt_x"/>
+                                          </p:val>
+                                        </p:tav>
+                                        <p:tav tm="100000">
+                                          <p:val>
+                                            <p:strVal val="#ppt_x"/>
+                                          </p:val>
+                                        </p:tav>
+                                      </p:tavLst>
+                                    </p:anim>
+                                    <p:anim calcmode="lin" valueType="num">
+                                      <p:cBhvr>
+                                        <p:cTn id="67" dur="1000" fill="hold"/>
+                                        <p:tgtEl>
+                                          <p:spTgt spid="28"/>
+                                        </p:tgtEl>
+                                        <p:attrNameLst>
+                                          <p:attrName>ppt_y</p:attrName>
+                                        </p:attrNameLst>
+                                      </p:cBhvr>
+                                      <p:tavLst>
+                                        <p:tav tm="0">
+                                          <p:val>
+                                            <p:strVal val="#ppt_y+.1"/>
+                                          </p:val>
+                                        </p:tav>
+                                        <p:tav tm="100000">
+                                          <p:val>
+                                            <p:strVal val="#ppt_y"/>
+                                          </p:val>
+                                        </p:tav>
+                                      </p:tavLst>
+                                    </p:anim>
+                                  </p:childTnLst>
+                                </p:cTn>
+                              </p:par>
+                              <p:par>
+                                <p:cTn id="68" presetID="42" presetClass="entr" presetSubtype="0" fill="hold" nodeType="withEffect">
+                                  <p:stCondLst>
+                                    <p:cond delay="1000"/>
+                                  </p:stCondLst>
+                                  <p:childTnLst>
+                                    <p:set>
+                                      <p:cBhvr>
+                                        <p:cTn id="69" dur="1" fill="hold">
+                                          <p:stCondLst>
+                                            <p:cond delay="0"/>
+                                          </p:stCondLst>
+                                        </p:cTn>
+                                        <p:tgtEl>
+                                          <p:spTgt spid="85"/>
+                                        </p:tgtEl>
+                                        <p:attrNameLst>
+                                          <p:attrName>style.visibility</p:attrName>
+                                        </p:attrNameLst>
+                                      </p:cBhvr>
+                                      <p:to>
+                                        <p:strVal val="visible"/>
+                                      </p:to>
+                                    </p:set>
+                                    <p:animEffect transition="in" filter="fade">
+                                      <p:cBhvr>
+                                        <p:cTn id="70" dur="1000"/>
+                                        <p:tgtEl>
+                                          <p:spTgt spid="85"/>
+                                        </p:tgtEl>
+                                      </p:cBhvr>
+                                    </p:animEffect>
+                                    <p:anim calcmode="lin" valueType="num">
+                                      <p:cBhvr>
+                                        <p:cTn id="71" dur="1000" fill="hold"/>
+                                        <p:tgtEl>
+                                          <p:spTgt spid="85"/>
+                                        </p:tgtEl>
+                                        <p:attrNameLst>
+                                          <p:attrName>ppt_x</p:attrName>
+                                        </p:attrNameLst>
+                                      </p:cBhvr>
+                                      <p:tavLst>
+                                        <p:tav tm="0">
+                                          <p:val>
+                                            <p:strVal val="#ppt_x"/>
+                                          </p:val>
+                                        </p:tav>
+                                        <p:tav tm="100000">
+                                          <p:val>
+                                            <p:strVal val="#ppt_x"/>
+                                          </p:val>
+                                        </p:tav>
+                                      </p:tavLst>
+                                    </p:anim>
+                                    <p:anim calcmode="lin" valueType="num">
+                                      <p:cBhvr>
+                                        <p:cTn id="72" dur="1000" fill="hold"/>
+                                        <p:tgtEl>
+                                          <p:spTgt spid="85"/>
+                                        </p:tgtEl>
+                                        <p:attrNameLst>
+                                          <p:attrName>ppt_y</p:attrName>
+                                        </p:attrNameLst>
+                                      </p:cBhvr>
+                                      <p:tavLst>
+                                        <p:tav tm="0">
+                                          <p:val>
+                                            <p:strVal val="#ppt_y+.1"/>
+                                          </p:val>
+                                        </p:tav>
+                                        <p:tav tm="100000">
+                                          <p:val>
+                                            <p:strVal val="#ppt_y"/>
+                                          </p:val>
+                                        </p:tav>
+                                      </p:tavLst>
+                                    </p:anim>
+                                  </p:childTnLst>
+                                </p:cTn>
+                              </p:par>
+                              <p:par>
+                                <p:cTn id="73" presetID="42" presetClass="entr" presetSubtype="0" fill="hold" grpId="0" nodeType="withEffect">
+                                  <p:stCondLst>
+                                    <p:cond delay="2000"/>
+                                  </p:stCondLst>
+                                  <p:childTnLst>
+                                    <p:set>
+                                      <p:cBhvr>
+                                        <p:cTn id="74" dur="1" fill="hold">
+                                          <p:stCondLst>
+                                            <p:cond delay="0"/>
+                                          </p:stCondLst>
+                                        </p:cTn>
+                                        <p:tgtEl>
+                                          <p:spTgt spid="29"/>
+                                        </p:tgtEl>
+                                        <p:attrNameLst>
+                                          <p:attrName>style.visibility</p:attrName>
+                                        </p:attrNameLst>
+                                      </p:cBhvr>
+                                      <p:to>
+                                        <p:strVal val="visible"/>
+                                      </p:to>
+                                    </p:set>
+                                    <p:animEffect transition="in" filter="fade">
+                                      <p:cBhvr>
+                                        <p:cTn id="75" dur="1000"/>
+                                        <p:tgtEl>
+                                          <p:spTgt spid="29"/>
+                                        </p:tgtEl>
+                                      </p:cBhvr>
+                                    </p:animEffect>
+                                    <p:anim calcmode="lin" valueType="num">
+                                      <p:cBhvr>
+                                        <p:cTn id="76" dur="1000" fill="hold"/>
+                                        <p:tgtEl>
+                                          <p:spTgt spid="29"/>
+                                        </p:tgtEl>
+                                        <p:attrNameLst>
+                                          <p:attrName>ppt_x</p:attrName>
+                                        </p:attrNameLst>
+                                      </p:cBhvr>
+                                      <p:tavLst>
+                                        <p:tav tm="0">
+                                          <p:val>
+                                            <p:strVal val="#ppt_x"/>
+                                          </p:val>
+                                        </p:tav>
+                                        <p:tav tm="100000">
+                                          <p:val>
+                                            <p:strVal val="#ppt_x"/>
+                                          </p:val>
+                                        </p:tav>
+                                      </p:tavLst>
+                                    </p:anim>
+                                    <p:anim calcmode="lin" valueType="num">
+                                      <p:cBhvr>
+                                        <p:cTn id="77" dur="1000" fill="hold"/>
+                                        <p:tgtEl>
+                                          <p:spTgt spid="29"/>
+                                        </p:tgtEl>
+                                        <p:attrNameLst>
+                                          <p:attrName>ppt_y</p:attrName>
+                                        </p:attrNameLst>
+                                      </p:cBhvr>
+                                      <p:tavLst>
+                                        <p:tav tm="0">
+                                          <p:val>
+                                            <p:strVal val="#ppt_y+.1"/>
+                                          </p:val>
+                                        </p:tav>
+                                        <p:tav tm="100000">
+                                          <p:val>
+                                            <p:strVal val="#ppt_y"/>
+                                          </p:val>
+                                        </p:tav>
+                                      </p:tavLst>
+                                    </p:anim>
+                                  </p:childTnLst>
+                                </p:cTn>
+                              </p:par>
+                              <p:par>
+                                <p:cTn id="78" presetID="42" presetClass="entr" presetSubtype="0" fill="hold" nodeType="withEffect">
+                                  <p:stCondLst>
+                                    <p:cond delay="2000"/>
+                                  </p:stCondLst>
+                                  <p:childTnLst>
+                                    <p:set>
+                                      <p:cBhvr>
+                                        <p:cTn id="79" dur="1" fill="hold">
+                                          <p:stCondLst>
+                                            <p:cond delay="0"/>
+                                          </p:stCondLst>
+                                        </p:cTn>
+                                        <p:tgtEl>
+                                          <p:spTgt spid="87"/>
+                                        </p:tgtEl>
+                                        <p:attrNameLst>
+                                          <p:attrName>style.visibility</p:attrName>
+                                        </p:attrNameLst>
+                                      </p:cBhvr>
+                                      <p:to>
+                                        <p:strVal val="visible"/>
+                                      </p:to>
+                                    </p:set>
+                                    <p:animEffect transition="in" filter="fade">
+                                      <p:cBhvr>
+                                        <p:cTn id="80" dur="1000"/>
+                                        <p:tgtEl>
+                                          <p:spTgt spid="87"/>
+                                        </p:tgtEl>
+                                      </p:cBhvr>
+                                    </p:animEffect>
+                                    <p:anim calcmode="lin" valueType="num">
+                                      <p:cBhvr>
+                                        <p:cTn id="81" dur="1000" fill="hold"/>
+                                        <p:tgtEl>
+                                          <p:spTgt spid="87"/>
+                                        </p:tgtEl>
+                                        <p:attrNameLst>
+                                          <p:attrName>ppt_x</p:attrName>
+                                        </p:attrNameLst>
+                                      </p:cBhvr>
+                                      <p:tavLst>
+                                        <p:tav tm="0">
+                                          <p:val>
+                                            <p:strVal val="#ppt_x"/>
+                                          </p:val>
+                                        </p:tav>
+                                        <p:tav tm="100000">
+                                          <p:val>
+                                            <p:strVal val="#ppt_x"/>
+                                          </p:val>
+                                        </p:tav>
+                                      </p:tavLst>
+                                    </p:anim>
+                                    <p:anim calcmode="lin" valueType="num">
+                                      <p:cBhvr>
+                                        <p:cTn id="82" dur="1000" fill="hold"/>
+                                        <p:tgtEl>
+                                          <p:spTgt spid="87"/>
+                                        </p:tgtEl>
+                                        <p:attrNameLst>
+                                          <p:attrName>ppt_y</p:attrName>
+                                        </p:attrNameLst>
+                                      </p:cBhvr>
+                                      <p:tavLst>
+                                        <p:tav tm="0">
+                                          <p:val>
+                                            <p:strVal val="#ppt_y+.1"/>
+                                          </p:val>
+                                        </p:tav>
+                                        <p:tav tm="100000">
+                                          <p:val>
+                                            <p:strVal val="#ppt_y"/>
+                                          </p:val>
+                                        </p:tav>
+                                      </p:tavLst>
+                                    </p:anim>
+                                  </p:childTnLst>
+                                </p:cTn>
+                              </p:par>
+                            </p:childTnLst>
+                          </p:cTn>
+                        </p:par>
+                      </p:childTnLst>
+                    </p:cTn>
+                  </p:par>
+                  <p:par>
+                    <p:cTn id="83" fill="hold">
+                      <p:stCondLst>
+                        <p:cond delay="indefinite"/>
+                      </p:stCondLst>
+                      <p:childTnLst>
+                        <p:par>
+                          <p:cTn id="84" fill="hold">
+                            <p:stCondLst>
+                              <p:cond delay="0"/>
+                            </p:stCondLst>
+                            <p:childTnLst>
+                              <p:par>
+                                <p:cTn id="85" presetID="42" presetClass="entr" presetSubtype="0" fill="hold" nodeType="clickEffect">
+                                  <p:stCondLst>
+                                    <p:cond delay="0"/>
+                                  </p:stCondLst>
+                                  <p:childTnLst>
+                                    <p:set>
+                                      <p:cBhvr>
+                                        <p:cTn id="86" dur="1" fill="hold">
+                                          <p:stCondLst>
+                                            <p:cond delay="0"/>
+                                          </p:stCondLst>
+                                        </p:cTn>
+                                        <p:tgtEl>
+                                          <p:spTgt spid="89"/>
+                                        </p:tgtEl>
+                                        <p:attrNameLst>
+                                          <p:attrName>style.visibility</p:attrName>
+                                        </p:attrNameLst>
+                                      </p:cBhvr>
+                                      <p:to>
+                                        <p:strVal val="visible"/>
+                                      </p:to>
+                                    </p:set>
+                                    <p:animEffect transition="in" filter="fade">
+                                      <p:cBhvr>
+                                        <p:cTn id="87" dur="1000"/>
+                                        <p:tgtEl>
+                                          <p:spTgt spid="89"/>
+                                        </p:tgtEl>
+                                      </p:cBhvr>
+                                    </p:animEffect>
+                                    <p:anim calcmode="lin" valueType="num">
+                                      <p:cBhvr>
+                                        <p:cTn id="88" dur="1000" fill="hold"/>
+                                        <p:tgtEl>
+                                          <p:spTgt spid="89"/>
+                                        </p:tgtEl>
+                                        <p:attrNameLst>
+                                          <p:attrName>ppt_x</p:attrName>
+                                        </p:attrNameLst>
+                                      </p:cBhvr>
+                                      <p:tavLst>
+                                        <p:tav tm="0">
+                                          <p:val>
+                                            <p:strVal val="#ppt_x"/>
+                                          </p:val>
+                                        </p:tav>
+                                        <p:tav tm="100000">
+                                          <p:val>
+                                            <p:strVal val="#ppt_x"/>
+                                          </p:val>
+                                        </p:tav>
+                                      </p:tavLst>
+                                    </p:anim>
+                                    <p:anim calcmode="lin" valueType="num">
+                                      <p:cBhvr>
+                                        <p:cTn id="89" dur="1000" fill="hold"/>
+                                        <p:tgtEl>
+                                          <p:spTgt spid="89"/>
+                                        </p:tgtEl>
+                                        <p:attrNameLst>
+                                          <p:attrName>ppt_y</p:attrName>
+                                        </p:attrNameLst>
+                                      </p:cBhvr>
+                                      <p:tavLst>
+                                        <p:tav tm="0">
+                                          <p:val>
+                                            <p:strVal val="#ppt_y+.1"/>
+                                          </p:val>
+                                        </p:tav>
+                                        <p:tav tm="100000">
+                                          <p:val>
+                                            <p:strVal val="#ppt_y"/>
+                                          </p:val>
+                                        </p:tav>
+                                      </p:tavLst>
+                                    </p:anim>
+                                  </p:childTnLst>
+                                </p:cTn>
+                              </p:par>
+                              <p:par>
+                                <p:cTn id="90" presetID="42" presetClass="entr" presetSubtype="0" fill="hold" grpId="0" nodeType="withEffect">
+                                  <p:stCondLst>
+                                    <p:cond delay="0"/>
+                                  </p:stCondLst>
+                                  <p:childTnLst>
+                                    <p:set>
+                                      <p:cBhvr>
+                                        <p:cTn id="91" dur="1" fill="hold">
+                                          <p:stCondLst>
+                                            <p:cond delay="0"/>
+                                          </p:stCondLst>
+                                        </p:cTn>
+                                        <p:tgtEl>
+                                          <p:spTgt spid="27"/>
+                                        </p:tgtEl>
+                                        <p:attrNameLst>
+                                          <p:attrName>style.visibility</p:attrName>
+                                        </p:attrNameLst>
+                                      </p:cBhvr>
+                                      <p:to>
+                                        <p:strVal val="visible"/>
+                                      </p:to>
+                                    </p:set>
+                                    <p:animEffect transition="in" filter="fade">
+                                      <p:cBhvr>
+                                        <p:cTn id="92" dur="1000"/>
+                                        <p:tgtEl>
+                                          <p:spTgt spid="27"/>
+                                        </p:tgtEl>
+                                      </p:cBhvr>
+                                    </p:animEffect>
+                                    <p:anim calcmode="lin" valueType="num">
+                                      <p:cBhvr>
+                                        <p:cTn id="93" dur="1000" fill="hold"/>
+                                        <p:tgtEl>
+                                          <p:spTgt spid="27"/>
+                                        </p:tgtEl>
+                                        <p:attrNameLst>
+                                          <p:attrName>ppt_x</p:attrName>
+                                        </p:attrNameLst>
+                                      </p:cBhvr>
+                                      <p:tavLst>
+                                        <p:tav tm="0">
+                                          <p:val>
+                                            <p:strVal val="#ppt_x"/>
+                                          </p:val>
+                                        </p:tav>
+                                        <p:tav tm="100000">
+                                          <p:val>
+                                            <p:strVal val="#ppt_x"/>
+                                          </p:val>
+                                        </p:tav>
+                                      </p:tavLst>
+                                    </p:anim>
+                                    <p:anim calcmode="lin" valueType="num">
+                                      <p:cBhvr>
+                                        <p:cTn id="94" dur="1000" fill="hold"/>
+                                        <p:tgtEl>
+                                          <p:spTgt spid="27"/>
+                                        </p:tgtEl>
+                                        <p:attrNameLst>
+                                          <p:attrName>ppt_y</p:attrName>
+                                        </p:attrNameLst>
+                                      </p:cBhvr>
+                                      <p:tavLst>
+                                        <p:tav tm="0">
+                                          <p:val>
+                                            <p:strVal val="#ppt_y+.1"/>
+                                          </p:val>
+                                        </p:tav>
+                                        <p:tav tm="100000">
+                                          <p:val>
+                                            <p:strVal val="#ppt_y"/>
+                                          </p:val>
+                                        </p:tav>
+                                      </p:tavLst>
+                                    </p:anim>
+                                  </p:childTnLst>
+                                </p:cTn>
+                              </p:par>
+                            </p:childTnLst>
+                          </p:cTn>
+                        </p:par>
+                      </p:childTnLst>
+                    </p:cTn>
+                  </p:par>
+                  <p:par>
+                    <p:cTn id="95" fill="hold">
+                      <p:stCondLst>
+                        <p:cond delay="indefinite"/>
+                      </p:stCondLst>
+                      <p:childTnLst>
+                        <p:par>
+                          <p:cTn id="96" fill="hold">
+                            <p:stCondLst>
+                              <p:cond delay="0"/>
+                            </p:stCondLst>
+                            <p:childTnLst>
+                              <p:par>
+                                <p:cTn id="97" presetID="42" presetClass="entr" presetSubtype="0" fill="hold" nodeType="clickEffect">
+                                  <p:stCondLst>
+                                    <p:cond delay="0"/>
+                                  </p:stCondLst>
+                                  <p:childTnLst>
+                                    <p:set>
+                                      <p:cBhvr>
+                                        <p:cTn id="98" dur="1" fill="hold">
+                                          <p:stCondLst>
+                                            <p:cond delay="0"/>
+                                          </p:stCondLst>
+                                        </p:cTn>
+                                        <p:tgtEl>
+                                          <p:spTgt spid="42"/>
+                                        </p:tgtEl>
+                                        <p:attrNameLst>
+                                          <p:attrName>style.visibility</p:attrName>
+                                        </p:attrNameLst>
+                                      </p:cBhvr>
+                                      <p:to>
+                                        <p:strVal val="visible"/>
+                                      </p:to>
+                                    </p:set>
+                                    <p:animEffect transition="in" filter="fade">
+                                      <p:cBhvr>
+                                        <p:cTn id="99" dur="1000"/>
+                                        <p:tgtEl>
+                                          <p:spTgt spid="42"/>
+                                        </p:tgtEl>
+                                      </p:cBhvr>
+                                    </p:animEffect>
+                                    <p:anim calcmode="lin" valueType="num">
+                                      <p:cBhvr>
+                                        <p:cTn id="100" dur="1000" fill="hold"/>
+                                        <p:tgtEl>
+                                          <p:spTgt spid="42"/>
+                                        </p:tgtEl>
+                                        <p:attrNameLst>
+                                          <p:attrName>ppt_x</p:attrName>
+                                        </p:attrNameLst>
+                                      </p:cBhvr>
+                                      <p:tavLst>
+                                        <p:tav tm="0">
+                                          <p:val>
+                                            <p:strVal val="#ppt_x"/>
+                                          </p:val>
+                                        </p:tav>
+                                        <p:tav tm="100000">
+                                          <p:val>
+                                            <p:strVal val="#ppt_x"/>
+                                          </p:val>
+                                        </p:tav>
+                                      </p:tavLst>
+                                    </p:anim>
+                                    <p:anim calcmode="lin" valueType="num">
+                                      <p:cBhvr>
+                                        <p:cTn id="101" dur="1000" fill="hold"/>
+                                        <p:tgtEl>
+                                          <p:spTgt spid="42"/>
+                                        </p:tgtEl>
+                                        <p:attrNameLst>
+                                          <p:attrName>ppt_y</p:attrName>
+                                        </p:attrNameLst>
+                                      </p:cBhvr>
+                                      <p:tavLst>
+                                        <p:tav tm="0">
+                                          <p:val>
+                                            <p:strVal val="#ppt_y+.1"/>
+                                          </p:val>
+                                        </p:tav>
+                                        <p:tav tm="100000">
+                                          <p:val>
+                                            <p:strVal val="#ppt_y"/>
+                                          </p:val>
+                                        </p:tav>
+                                      </p:tavLst>
+                                    </p:anim>
+                                  </p:childTnLst>
+                                </p:cTn>
+                              </p:par>
+                              <p:par>
+                                <p:cTn id="102" presetID="42" presetClass="entr" presetSubtype="0" fill="hold" grpId="0" nodeType="withEffect">
+                                  <p:stCondLst>
+                                    <p:cond delay="0"/>
+                                  </p:stCondLst>
+                                  <p:childTnLst>
+                                    <p:set>
+                                      <p:cBhvr>
+                                        <p:cTn id="103" dur="1" fill="hold">
+                                          <p:stCondLst>
+                                            <p:cond delay="0"/>
+                                          </p:stCondLst>
+                                        </p:cTn>
+                                        <p:tgtEl>
+                                          <p:spTgt spid="7"/>
+                                        </p:tgtEl>
+                                        <p:attrNameLst>
+                                          <p:attrName>style.visibility</p:attrName>
+                                        </p:attrNameLst>
+                                      </p:cBhvr>
+                                      <p:to>
+                                        <p:strVal val="visible"/>
+                                      </p:to>
+                                    </p:set>
+                                    <p:animEffect transition="in" filter="fade">
+                                      <p:cBhvr>
+                                        <p:cTn id="104" dur="1000"/>
+                                        <p:tgtEl>
+                                          <p:spTgt spid="7"/>
+                                        </p:tgtEl>
+                                      </p:cBhvr>
+                                    </p:animEffect>
+                                    <p:anim calcmode="lin" valueType="num">
+                                      <p:cBhvr>
+                                        <p:cTn id="105" dur="1000" fill="hold"/>
+                                        <p:tgtEl>
+                                          <p:spTgt spid="7"/>
+                                        </p:tgtEl>
+                                        <p:attrNameLst>
+                                          <p:attrName>ppt_x</p:attrName>
+                                        </p:attrNameLst>
+                                      </p:cBhvr>
+                                      <p:tavLst>
+                                        <p:tav tm="0">
+                                          <p:val>
+                                            <p:strVal val="#ppt_x"/>
+                                          </p:val>
+                                        </p:tav>
+                                        <p:tav tm="100000">
+                                          <p:val>
+                                            <p:strVal val="#ppt_x"/>
+                                          </p:val>
+                                        </p:tav>
+                                      </p:tavLst>
+                                    </p:anim>
+                                    <p:anim calcmode="lin" valueType="num">
+                                      <p:cBhvr>
+                                        <p:cTn id="106" dur="1000" fill="hold"/>
+                                        <p:tgtEl>
+                                          <p:spTgt spid="7"/>
+                                        </p:tgtEl>
+                                        <p:attrNameLst>
+                                          <p:attrName>ppt_y</p:attrName>
+                                        </p:attrNameLst>
+                                      </p:cBhvr>
+                                      <p:tavLst>
+                                        <p:tav tm="0">
+                                          <p:val>
+                                            <p:strVal val="#ppt_y+.1"/>
+                                          </p:val>
+                                        </p:tav>
+                                        <p:tav tm="100000">
+                                          <p:val>
+                                            <p:strVal val="#ppt_y"/>
+                                          </p:val>
+                                        </p:tav>
+                                      </p:tavLst>
+                                    </p:anim>
+                                  </p:childTnLst>
+                                </p:cTn>
+                              </p:par>
+                              <p:par>
+                                <p:cTn id="107" presetID="42" presetClass="entr" presetSubtype="0" fill="hold" grpId="0" nodeType="withEffect">
+                                  <p:stCondLst>
+                                    <p:cond delay="2000"/>
+                                  </p:stCondLst>
+                                  <p:childTnLst>
+                                    <p:set>
+                                      <p:cBhvr>
+                                        <p:cTn id="108" dur="1" fill="hold">
+                                          <p:stCondLst>
+                                            <p:cond delay="0"/>
+                                          </p:stCondLst>
+                                        </p:cTn>
+                                        <p:tgtEl>
+                                          <p:spTgt spid="30"/>
+                                        </p:tgtEl>
+                                        <p:attrNameLst>
+                                          <p:attrName>style.visibility</p:attrName>
+                                        </p:attrNameLst>
+                                      </p:cBhvr>
+                                      <p:to>
+                                        <p:strVal val="visible"/>
+                                      </p:to>
+                                    </p:set>
+                                    <p:animEffect transition="in" filter="fade">
+                                      <p:cBhvr>
+                                        <p:cTn id="109" dur="1000"/>
+                                        <p:tgtEl>
+                                          <p:spTgt spid="30"/>
+                                        </p:tgtEl>
+                                      </p:cBhvr>
+                                    </p:animEffect>
+                                    <p:anim calcmode="lin" valueType="num">
+                                      <p:cBhvr>
+                                        <p:cTn id="110" dur="1000" fill="hold"/>
+                                        <p:tgtEl>
+                                          <p:spTgt spid="30"/>
+                                        </p:tgtEl>
+                                        <p:attrNameLst>
+                                          <p:attrName>ppt_x</p:attrName>
+                                        </p:attrNameLst>
+                                      </p:cBhvr>
+                                      <p:tavLst>
+                                        <p:tav tm="0">
+                                          <p:val>
+                                            <p:strVal val="#ppt_x"/>
+                                          </p:val>
+                                        </p:tav>
+                                        <p:tav tm="100000">
+                                          <p:val>
+                                            <p:strVal val="#ppt_x"/>
+                                          </p:val>
+                                        </p:tav>
+                                      </p:tavLst>
+                                    </p:anim>
+                                    <p:anim calcmode="lin" valueType="num">
+                                      <p:cBhvr>
+                                        <p:cTn id="111" dur="1000" fill="hold"/>
+                                        <p:tgtEl>
+                                          <p:spTgt spid="30"/>
+                                        </p:tgtEl>
+                                        <p:attrNameLst>
+                                          <p:attrName>ppt_y</p:attrName>
+                                        </p:attrNameLst>
+                                      </p:cBhvr>
+                                      <p:tavLst>
+                                        <p:tav tm="0">
+                                          <p:val>
+                                            <p:strVal val="#ppt_y+.1"/>
+                                          </p:val>
+                                        </p:tav>
+                                        <p:tav tm="100000">
+                                          <p:val>
+                                            <p:strVal val="#ppt_y"/>
+                                          </p:val>
+                                        </p:tav>
+                                      </p:tavLst>
+                                    </p:anim>
+                                  </p:childTnLst>
+                                </p:cTn>
+                              </p:par>
+                              <p:par>
+                                <p:cTn id="112" presetID="42" presetClass="entr" presetSubtype="0" fill="hold" nodeType="withEffect">
+                                  <p:stCondLst>
+                                    <p:cond delay="2000"/>
+                                  </p:stCondLst>
+                                  <p:childTnLst>
+                                    <p:set>
+                                      <p:cBhvr>
+                                        <p:cTn id="113" dur="1" fill="hold">
+                                          <p:stCondLst>
+                                            <p:cond delay="0"/>
+                                          </p:stCondLst>
+                                        </p:cTn>
+                                        <p:tgtEl>
+                                          <p:spTgt spid="73"/>
+                                        </p:tgtEl>
+                                        <p:attrNameLst>
+                                          <p:attrName>style.visibility</p:attrName>
+                                        </p:attrNameLst>
+                                      </p:cBhvr>
+                                      <p:to>
+                                        <p:strVal val="visible"/>
+                                      </p:to>
+                                    </p:set>
+                                    <p:animEffect transition="in" filter="fade">
+                                      <p:cBhvr>
+                                        <p:cTn id="114" dur="1000"/>
+                                        <p:tgtEl>
+                                          <p:spTgt spid="73"/>
+                                        </p:tgtEl>
+                                      </p:cBhvr>
+                                    </p:animEffect>
+                                    <p:anim calcmode="lin" valueType="num">
+                                      <p:cBhvr>
+                                        <p:cTn id="115" dur="1000" fill="hold"/>
+                                        <p:tgtEl>
+                                          <p:spTgt spid="73"/>
+                                        </p:tgtEl>
+                                        <p:attrNameLst>
+                                          <p:attrName>ppt_x</p:attrName>
+                                        </p:attrNameLst>
+                                      </p:cBhvr>
+                                      <p:tavLst>
+                                        <p:tav tm="0">
+                                          <p:val>
+                                            <p:strVal val="#ppt_x"/>
+                                          </p:val>
+                                        </p:tav>
+                                        <p:tav tm="100000">
+                                          <p:val>
+                                            <p:strVal val="#ppt_x"/>
+                                          </p:val>
+                                        </p:tav>
+                                      </p:tavLst>
+                                    </p:anim>
+                                    <p:anim calcmode="lin" valueType="num">
+                                      <p:cBhvr>
+                                        <p:cTn id="116" dur="1000" fill="hold"/>
+                                        <p:tgtEl>
+                                          <p:spTgt spid="73"/>
+                                        </p:tgtEl>
+                                        <p:attrNameLst>
+                                          <p:attrName>ppt_y</p:attrName>
+                                        </p:attrNameLst>
+                                      </p:cBhvr>
+                                      <p:tavLst>
+                                        <p:tav tm="0">
+                                          <p:val>
+                                            <p:strVal val="#ppt_y+.1"/>
+                                          </p:val>
+                                        </p:tav>
+                                        <p:tav tm="100000">
+                                          <p:val>
+                                            <p:strVal val="#ppt_y"/>
+                                          </p:val>
+                                        </p:tav>
+                                      </p:tavLst>
+                                    </p:anim>
+                                  </p:childTnLst>
+                                </p:cTn>
+                              </p:par>
+                              <p:par>
+                                <p:cTn id="117" presetID="42" presetClass="entr" presetSubtype="0" fill="hold" grpId="0" nodeType="withEffect">
+                                  <p:stCondLst>
+                                    <p:cond delay="4000"/>
+                                  </p:stCondLst>
+                                  <p:childTnLst>
+                                    <p:set>
+                                      <p:cBhvr>
+                                        <p:cTn id="118" dur="1" fill="hold">
+                                          <p:stCondLst>
+                                            <p:cond delay="0"/>
+                                          </p:stCondLst>
+                                        </p:cTn>
+                                        <p:tgtEl>
+                                          <p:spTgt spid="37"/>
+                                        </p:tgtEl>
+                                        <p:attrNameLst>
+                                          <p:attrName>style.visibility</p:attrName>
+                                        </p:attrNameLst>
+                                      </p:cBhvr>
+                                      <p:to>
+                                        <p:strVal val="visible"/>
+                                      </p:to>
+                                    </p:set>
+                                    <p:animEffect transition="in" filter="fade">
+                                      <p:cBhvr>
+                                        <p:cTn id="119" dur="1000"/>
+                                        <p:tgtEl>
+                                          <p:spTgt spid="37"/>
+                                        </p:tgtEl>
+                                      </p:cBhvr>
+                                    </p:animEffect>
+                                    <p:anim calcmode="lin" valueType="num">
+                                      <p:cBhvr>
+                                        <p:cTn id="120" dur="1000" fill="hold"/>
+                                        <p:tgtEl>
+                                          <p:spTgt spid="37"/>
+                                        </p:tgtEl>
+                                        <p:attrNameLst>
+                                          <p:attrName>ppt_x</p:attrName>
+                                        </p:attrNameLst>
+                                      </p:cBhvr>
+                                      <p:tavLst>
+                                        <p:tav tm="0">
+                                          <p:val>
+                                            <p:strVal val="#ppt_x"/>
+                                          </p:val>
+                                        </p:tav>
+                                        <p:tav tm="100000">
+                                          <p:val>
+                                            <p:strVal val="#ppt_x"/>
+                                          </p:val>
+                                        </p:tav>
+                                      </p:tavLst>
+                                    </p:anim>
+                                    <p:anim calcmode="lin" valueType="num">
+                                      <p:cBhvr>
+                                        <p:cTn id="121" dur="1000" fill="hold"/>
+                                        <p:tgtEl>
+                                          <p:spTgt spid="37"/>
+                                        </p:tgtEl>
+                                        <p:attrNameLst>
+                                          <p:attrName>ppt_y</p:attrName>
+                                        </p:attrNameLst>
+                                      </p:cBhvr>
+                                      <p:tavLst>
+                                        <p:tav tm="0">
+                                          <p:val>
+                                            <p:strVal val="#ppt_y+.1"/>
+                                          </p:val>
+                                        </p:tav>
+                                        <p:tav tm="100000">
+                                          <p:val>
+                                            <p:strVal val="#ppt_y"/>
+                                          </p:val>
+                                        </p:tav>
+                                      </p:tavLst>
+                                    </p:anim>
+                                  </p:childTnLst>
+                                </p:cTn>
+                              </p:par>
+                              <p:par>
+                                <p:cTn id="122" presetID="42" presetClass="entr" presetSubtype="0" fill="hold" nodeType="withEffect">
+                                  <p:stCondLst>
+                                    <p:cond delay="4000"/>
+                                  </p:stCondLst>
+                                  <p:childTnLst>
+                                    <p:set>
+                                      <p:cBhvr>
+                                        <p:cTn id="123" dur="1" fill="hold">
+                                          <p:stCondLst>
+                                            <p:cond delay="0"/>
+                                          </p:stCondLst>
+                                        </p:cTn>
+                                        <p:tgtEl>
+                                          <p:spTgt spid="77"/>
+                                        </p:tgtEl>
+                                        <p:attrNameLst>
+                                          <p:attrName>style.visibility</p:attrName>
+                                        </p:attrNameLst>
+                                      </p:cBhvr>
+                                      <p:to>
+                                        <p:strVal val="visible"/>
+                                      </p:to>
+                                    </p:set>
+                                    <p:animEffect transition="in" filter="fade">
+                                      <p:cBhvr>
+                                        <p:cTn id="124" dur="1000"/>
+                                        <p:tgtEl>
+                                          <p:spTgt spid="77"/>
+                                        </p:tgtEl>
+                                      </p:cBhvr>
+                                    </p:animEffect>
+                                    <p:anim calcmode="lin" valueType="num">
+                                      <p:cBhvr>
+                                        <p:cTn id="125" dur="1000" fill="hold"/>
+                                        <p:tgtEl>
+                                          <p:spTgt spid="77"/>
+                                        </p:tgtEl>
+                                        <p:attrNameLst>
+                                          <p:attrName>ppt_x</p:attrName>
+                                        </p:attrNameLst>
+                                      </p:cBhvr>
+                                      <p:tavLst>
+                                        <p:tav tm="0">
+                                          <p:val>
+                                            <p:strVal val="#ppt_x"/>
+                                          </p:val>
+                                        </p:tav>
+                                        <p:tav tm="100000">
+                                          <p:val>
+                                            <p:strVal val="#ppt_x"/>
+                                          </p:val>
+                                        </p:tav>
+                                      </p:tavLst>
+                                    </p:anim>
+                                    <p:anim calcmode="lin" valueType="num">
+                                      <p:cBhvr>
+                                        <p:cTn id="126" dur="1000" fill="hold"/>
+                                        <p:tgtEl>
+                                          <p:spTgt spid="77"/>
+                                        </p:tgtEl>
+                                        <p:attrNameLst>
+                                          <p:attrName>ppt_y</p:attrName>
+                                        </p:attrNameLst>
+                                      </p:cBhvr>
+                                      <p:tavLst>
+                                        <p:tav tm="0">
+                                          <p:val>
+                                            <p:strVal val="#ppt_y+.1"/>
+                                          </p:val>
+                                        </p:tav>
+                                        <p:tav tm="100000">
+                                          <p:val>
+                                            <p:strVal val="#ppt_y"/>
+                                          </p:val>
+                                        </p:tav>
+                                      </p:tavLst>
+                                    </p:anim>
+                                  </p:childTnLst>
+                                </p:cTn>
+                              </p:par>
+                            </p:childTnLst>
+                          </p:cTn>
+                        </p:par>
+                      </p:childTnLst>
+                    </p:cTn>
+                  </p:par>
+                  <p:par>
+                    <p:cTn id="127" fill="hold">
+                      <p:stCondLst>
+                        <p:cond delay="indefinite"/>
+                      </p:stCondLst>
+                      <p:childTnLst>
+                        <p:par>
+                          <p:cTn id="128" fill="hold">
+                            <p:stCondLst>
+                              <p:cond delay="0"/>
+                            </p:stCondLst>
+                            <p:childTnLst>
+                              <p:par>
+                                <p:cTn id="129" presetID="42" presetClass="entr" presetSubtype="0" fill="hold" nodeType="clickEffect">
+                                  <p:stCondLst>
+                                    <p:cond delay="0"/>
+                                  </p:stCondLst>
+                                  <p:childTnLst>
+                                    <p:set>
+                                      <p:cBhvr>
+                                        <p:cTn id="130" dur="1" fill="hold">
+                                          <p:stCondLst>
+                                            <p:cond delay="0"/>
+                                          </p:stCondLst>
+                                        </p:cTn>
+                                        <p:tgtEl>
+                                          <p:spTgt spid="45"/>
+                                        </p:tgtEl>
+                                        <p:attrNameLst>
+                                          <p:attrName>style.visibility</p:attrName>
+                                        </p:attrNameLst>
+                                      </p:cBhvr>
+                                      <p:to>
+                                        <p:strVal val="visible"/>
+                                      </p:to>
+                                    </p:set>
+                                    <p:animEffect transition="in" filter="fade">
+                                      <p:cBhvr>
+                                        <p:cTn id="131" dur="1000"/>
+                                        <p:tgtEl>
+                                          <p:spTgt spid="45"/>
+                                        </p:tgtEl>
+                                      </p:cBhvr>
+                                    </p:animEffect>
+                                    <p:anim calcmode="lin" valueType="num">
+                                      <p:cBhvr>
+                                        <p:cTn id="132" dur="1000" fill="hold"/>
+                                        <p:tgtEl>
+                                          <p:spTgt spid="45"/>
+                                        </p:tgtEl>
+                                        <p:attrNameLst>
+                                          <p:attrName>ppt_x</p:attrName>
+                                        </p:attrNameLst>
+                                      </p:cBhvr>
+                                      <p:tavLst>
+                                        <p:tav tm="0">
+                                          <p:val>
+                                            <p:strVal val="#ppt_x"/>
+                                          </p:val>
+                                        </p:tav>
+                                        <p:tav tm="100000">
+                                          <p:val>
+                                            <p:strVal val="#ppt_x"/>
+                                          </p:val>
+                                        </p:tav>
+                                      </p:tavLst>
+                                    </p:anim>
+                                    <p:anim calcmode="lin" valueType="num">
+                                      <p:cBhvr>
+                                        <p:cTn id="133" dur="1000" fill="hold"/>
+                                        <p:tgtEl>
+                                          <p:spTgt spid="45"/>
+                                        </p:tgtEl>
+                                        <p:attrNameLst>
+                                          <p:attrName>ppt_y</p:attrName>
+                                        </p:attrNameLst>
+                                      </p:cBhvr>
+                                      <p:tavLst>
+                                        <p:tav tm="0">
+                                          <p:val>
+                                            <p:strVal val="#ppt_y+.1"/>
+                                          </p:val>
+                                        </p:tav>
+                                        <p:tav tm="100000">
+                                          <p:val>
+                                            <p:strVal val="#ppt_y"/>
+                                          </p:val>
+                                        </p:tav>
+                                      </p:tavLst>
+                                    </p:anim>
+                                  </p:childTnLst>
+                                </p:cTn>
+                              </p:par>
+                              <p:par>
+                                <p:cTn id="134" presetID="42" presetClass="entr" presetSubtype="0" fill="hold" grpId="0" nodeType="withEffect">
+                                  <p:stCondLst>
+                                    <p:cond delay="0"/>
+                                  </p:stCondLst>
+                                  <p:childTnLst>
+                                    <p:set>
+                                      <p:cBhvr>
+                                        <p:cTn id="135" dur="1" fill="hold">
+                                          <p:stCondLst>
+                                            <p:cond delay="0"/>
+                                          </p:stCondLst>
+                                        </p:cTn>
+                                        <p:tgtEl>
+                                          <p:spTgt spid="9"/>
+                                        </p:tgtEl>
+                                        <p:attrNameLst>
+                                          <p:attrName>style.visibility</p:attrName>
+                                        </p:attrNameLst>
+                                      </p:cBhvr>
+                                      <p:to>
+                                        <p:strVal val="visible"/>
+                                      </p:to>
+                                    </p:set>
+                                    <p:animEffect transition="in" filter="fade">
+                                      <p:cBhvr>
+                                        <p:cTn id="136" dur="1000"/>
+                                        <p:tgtEl>
+                                          <p:spTgt spid="9"/>
+                                        </p:tgtEl>
+                                      </p:cBhvr>
+                                    </p:animEffect>
+                                    <p:anim calcmode="lin" valueType="num">
+                                      <p:cBhvr>
+                                        <p:cTn id="137" dur="1000" fill="hold"/>
+                                        <p:tgtEl>
+                                          <p:spTgt spid="9"/>
+                                        </p:tgtEl>
+                                        <p:attrNameLst>
+                                          <p:attrName>ppt_x</p:attrName>
+                                        </p:attrNameLst>
+                                      </p:cBhvr>
+                                      <p:tavLst>
+                                        <p:tav tm="0">
+                                          <p:val>
+                                            <p:strVal val="#ppt_x"/>
+                                          </p:val>
+                                        </p:tav>
+                                        <p:tav tm="100000">
+                                          <p:val>
+                                            <p:strVal val="#ppt_x"/>
+                                          </p:val>
+                                        </p:tav>
+                                      </p:tavLst>
+                                    </p:anim>
+                                    <p:anim calcmode="lin" valueType="num">
+                                      <p:cBhvr>
+                                        <p:cTn id="138" dur="1000" fill="hold"/>
+                                        <p:tgtEl>
+                                          <p:spTgt spid="9"/>
+                                        </p:tgtEl>
+                                        <p:attrNameLst>
+                                          <p:attrName>ppt_y</p:attrName>
+                                        </p:attrNameLst>
+                                      </p:cBhvr>
+                                      <p:tavLst>
+                                        <p:tav tm="0">
+                                          <p:val>
+                                            <p:strVal val="#ppt_y+.1"/>
+                                          </p:val>
+                                        </p:tav>
+                                        <p:tav tm="100000">
+                                          <p:val>
+                                            <p:strVal val="#ppt_y"/>
+                                          </p:val>
+                                        </p:tav>
+                                      </p:tavLst>
+                                    </p:anim>
+                                  </p:childTnLst>
+                                </p:cTn>
+                              </p:par>
+                              <p:par>
+                                <p:cTn id="139" presetID="42" presetClass="entr" presetSubtype="0" fill="hold" nodeType="withEffect">
+                                  <p:stCondLst>
+                                    <p:cond delay="2000"/>
+                                  </p:stCondLst>
+                                  <p:childTnLst>
+                                    <p:set>
+                                      <p:cBhvr>
+                                        <p:cTn id="140" dur="1" fill="hold">
+                                          <p:stCondLst>
+                                            <p:cond delay="0"/>
+                                          </p:stCondLst>
+                                        </p:cTn>
+                                        <p:tgtEl>
+                                          <p:spTgt spid="52"/>
+                                        </p:tgtEl>
+                                        <p:attrNameLst>
+                                          <p:attrName>style.visibility</p:attrName>
+                                        </p:attrNameLst>
+                                      </p:cBhvr>
+                                      <p:to>
+                                        <p:strVal val="visible"/>
+                                      </p:to>
+                                    </p:set>
+                                    <p:animEffect transition="in" filter="fade">
+                                      <p:cBhvr>
+                                        <p:cTn id="141" dur="1000"/>
+                                        <p:tgtEl>
+                                          <p:spTgt spid="52"/>
+                                        </p:tgtEl>
+                                      </p:cBhvr>
+                                    </p:animEffect>
+                                    <p:anim calcmode="lin" valueType="num">
+                                      <p:cBhvr>
+                                        <p:cTn id="142" dur="1000" fill="hold"/>
+                                        <p:tgtEl>
+                                          <p:spTgt spid="52"/>
+                                        </p:tgtEl>
+                                        <p:attrNameLst>
+                                          <p:attrName>ppt_x</p:attrName>
+                                        </p:attrNameLst>
+                                      </p:cBhvr>
+                                      <p:tavLst>
+                                        <p:tav tm="0">
+                                          <p:val>
+                                            <p:strVal val="#ppt_x"/>
+                                          </p:val>
+                                        </p:tav>
+                                        <p:tav tm="100000">
+                                          <p:val>
+                                            <p:strVal val="#ppt_x"/>
+                                          </p:val>
+                                        </p:tav>
+                                      </p:tavLst>
+                                    </p:anim>
+                                    <p:anim calcmode="lin" valueType="num">
+                                      <p:cBhvr>
+                                        <p:cTn id="143" dur="1000" fill="hold"/>
+                                        <p:tgtEl>
+                                          <p:spTgt spid="52"/>
+                                        </p:tgtEl>
+                                        <p:attrNameLst>
+                                          <p:attrName>ppt_y</p:attrName>
+                                        </p:attrNameLst>
+                                      </p:cBhvr>
+                                      <p:tavLst>
+                                        <p:tav tm="0">
+                                          <p:val>
+                                            <p:strVal val="#ppt_y+.1"/>
+                                          </p:val>
+                                        </p:tav>
+                                        <p:tav tm="100000">
+                                          <p:val>
+                                            <p:strVal val="#ppt_y"/>
+                                          </p:val>
+                                        </p:tav>
+                                      </p:tavLst>
+                                    </p:anim>
+                                  </p:childTnLst>
+                                </p:cTn>
+                              </p:par>
+                              <p:par>
+                                <p:cTn id="144" presetID="42" presetClass="entr" presetSubtype="0" fill="hold" grpId="0" nodeType="withEffect">
+                                  <p:stCondLst>
+                                    <p:cond delay="2000"/>
+                                  </p:stCondLst>
+                                  <p:childTnLst>
+                                    <p:set>
+                                      <p:cBhvr>
+                                        <p:cTn id="145" dur="1" fill="hold">
+                                          <p:stCondLst>
+                                            <p:cond delay="0"/>
+                                          </p:stCondLst>
+                                        </p:cTn>
+                                        <p:tgtEl>
+                                          <p:spTgt spid="33"/>
+                                        </p:tgtEl>
+                                        <p:attrNameLst>
+                                          <p:attrName>style.visibility</p:attrName>
+                                        </p:attrNameLst>
+                                      </p:cBhvr>
+                                      <p:to>
+                                        <p:strVal val="visible"/>
+                                      </p:to>
+                                    </p:set>
+                                    <p:animEffect transition="in" filter="fade">
+                                      <p:cBhvr>
+                                        <p:cTn id="146" dur="1000"/>
+                                        <p:tgtEl>
+                                          <p:spTgt spid="33"/>
+                                        </p:tgtEl>
+                                      </p:cBhvr>
+                                    </p:animEffect>
+                                    <p:anim calcmode="lin" valueType="num">
+                                      <p:cBhvr>
+                                        <p:cTn id="147" dur="1000" fill="hold"/>
+                                        <p:tgtEl>
+                                          <p:spTgt spid="33"/>
+                                        </p:tgtEl>
+                                        <p:attrNameLst>
+                                          <p:attrName>ppt_x</p:attrName>
+                                        </p:attrNameLst>
+                                      </p:cBhvr>
+                                      <p:tavLst>
+                                        <p:tav tm="0">
+                                          <p:val>
+                                            <p:strVal val="#ppt_x"/>
+                                          </p:val>
+                                        </p:tav>
+                                        <p:tav tm="100000">
+                                          <p:val>
+                                            <p:strVal val="#ppt_x"/>
+                                          </p:val>
+                                        </p:tav>
+                                      </p:tavLst>
+                                    </p:anim>
+                                    <p:anim calcmode="lin" valueType="num">
+                                      <p:cBhvr>
+                                        <p:cTn id="148" dur="1000" fill="hold"/>
+                                        <p:tgtEl>
+                                          <p:spTgt spid="33"/>
+                                        </p:tgtEl>
+                                        <p:attrNameLst>
+                                          <p:attrName>ppt_y</p:attrName>
+                                        </p:attrNameLst>
+                                      </p:cBhvr>
+                                      <p:tavLst>
+                                        <p:tav tm="0">
+                                          <p:val>
+                                            <p:strVal val="#ppt_y+.1"/>
+                                          </p:val>
+                                        </p:tav>
+                                        <p:tav tm="100000">
+                                          <p:val>
+                                            <p:strVal val="#ppt_y"/>
+                                          </p:val>
+                                        </p:tav>
+                                      </p:tavLst>
+                                    </p:anim>
+                                  </p:childTnLst>
+                                </p:cTn>
+                              </p:par>
+                              <p:par>
+                                <p:cTn id="149" presetID="42" presetClass="entr" presetSubtype="0" fill="hold" grpId="0" nodeType="withEffect">
+                                  <p:stCondLst>
+                                    <p:cond delay="4000"/>
+                                  </p:stCondLst>
+                                  <p:childTnLst>
+                                    <p:set>
+                                      <p:cBhvr>
+                                        <p:cTn id="150" dur="1" fill="hold">
+                                          <p:stCondLst>
+                                            <p:cond delay="0"/>
+                                          </p:stCondLst>
+                                        </p:cTn>
+                                        <p:tgtEl>
+                                          <p:spTgt spid="31"/>
+                                        </p:tgtEl>
+                                        <p:attrNameLst>
+                                          <p:attrName>style.visibility</p:attrName>
+                                        </p:attrNameLst>
+                                      </p:cBhvr>
+                                      <p:to>
+                                        <p:strVal val="visible"/>
+                                      </p:to>
+                                    </p:set>
+                                    <p:animEffect transition="in" filter="fade">
+                                      <p:cBhvr>
+                                        <p:cTn id="151" dur="1000"/>
+                                        <p:tgtEl>
+                                          <p:spTgt spid="31"/>
+                                        </p:tgtEl>
+                                      </p:cBhvr>
+                                    </p:animEffect>
+                                    <p:anim calcmode="lin" valueType="num">
+                                      <p:cBhvr>
+                                        <p:cTn id="152" dur="1000" fill="hold"/>
+                                        <p:tgtEl>
+                                          <p:spTgt spid="31"/>
+                                        </p:tgtEl>
+                                        <p:attrNameLst>
+                                          <p:attrName>ppt_x</p:attrName>
+                                        </p:attrNameLst>
+                                      </p:cBhvr>
+                                      <p:tavLst>
+                                        <p:tav tm="0">
+                                          <p:val>
+                                            <p:strVal val="#ppt_x"/>
+                                          </p:val>
+                                        </p:tav>
+                                        <p:tav tm="100000">
+                                          <p:val>
+                                            <p:strVal val="#ppt_x"/>
+                                          </p:val>
+                                        </p:tav>
+                                      </p:tavLst>
+                                    </p:anim>
+                                    <p:anim calcmode="lin" valueType="num">
+                                      <p:cBhvr>
+                                        <p:cTn id="153" dur="1000" fill="hold"/>
+                                        <p:tgtEl>
+                                          <p:spTgt spid="31"/>
+                                        </p:tgtEl>
+                                        <p:attrNameLst>
+                                          <p:attrName>ppt_y</p:attrName>
+                                        </p:attrNameLst>
+                                      </p:cBhvr>
+                                      <p:tavLst>
+                                        <p:tav tm="0">
+                                          <p:val>
+                                            <p:strVal val="#ppt_y+.1"/>
+                                          </p:val>
+                                        </p:tav>
+                                        <p:tav tm="100000">
+                                          <p:val>
+                                            <p:strVal val="#ppt_y"/>
+                                          </p:val>
+                                        </p:tav>
+                                      </p:tavLst>
+                                    </p:anim>
+                                  </p:childTnLst>
+                                </p:cTn>
+                              </p:par>
+                              <p:par>
+                                <p:cTn id="154" presetID="42" presetClass="entr" presetSubtype="0" fill="hold" nodeType="withEffect">
+                                  <p:stCondLst>
+                                    <p:cond delay="4000"/>
+                                  </p:stCondLst>
+                                  <p:childTnLst>
+                                    <p:set>
+                                      <p:cBhvr>
+                                        <p:cTn id="155" dur="1" fill="hold">
+                                          <p:stCondLst>
+                                            <p:cond delay="0"/>
+                                          </p:stCondLst>
+                                        </p:cTn>
+                                        <p:tgtEl>
+                                          <p:spTgt spid="57"/>
+                                        </p:tgtEl>
+                                        <p:attrNameLst>
+                                          <p:attrName>style.visibility</p:attrName>
+                                        </p:attrNameLst>
+                                      </p:cBhvr>
+                                      <p:to>
+                                        <p:strVal val="visible"/>
+                                      </p:to>
+                                    </p:set>
+                                    <p:animEffect transition="in" filter="fade">
+                                      <p:cBhvr>
+                                        <p:cTn id="156" dur="1000"/>
+                                        <p:tgtEl>
+                                          <p:spTgt spid="57"/>
+                                        </p:tgtEl>
+                                      </p:cBhvr>
+                                    </p:animEffect>
+                                    <p:anim calcmode="lin" valueType="num">
+                                      <p:cBhvr>
+                                        <p:cTn id="157" dur="1000" fill="hold"/>
+                                        <p:tgtEl>
+                                          <p:spTgt spid="57"/>
+                                        </p:tgtEl>
+                                        <p:attrNameLst>
+                                          <p:attrName>ppt_x</p:attrName>
+                                        </p:attrNameLst>
+                                      </p:cBhvr>
+                                      <p:tavLst>
+                                        <p:tav tm="0">
+                                          <p:val>
+                                            <p:strVal val="#ppt_x"/>
+                                          </p:val>
+                                        </p:tav>
+                                        <p:tav tm="100000">
+                                          <p:val>
+                                            <p:strVal val="#ppt_x"/>
+                                          </p:val>
+                                        </p:tav>
+                                      </p:tavLst>
+                                    </p:anim>
+                                    <p:anim calcmode="lin" valueType="num">
+                                      <p:cBhvr>
+                                        <p:cTn id="158" dur="1000" fill="hold"/>
+                                        <p:tgtEl>
+                                          <p:spTgt spid="57"/>
+                                        </p:tgtEl>
+                                        <p:attrNameLst>
+                                          <p:attrName>ppt_y</p:attrName>
+                                        </p:attrNameLst>
+                                      </p:cBhvr>
+                                      <p:tavLst>
+                                        <p:tav tm="0">
+                                          <p:val>
+                                            <p:strVal val="#ppt_y+.1"/>
+                                          </p:val>
+                                        </p:tav>
+                                        <p:tav tm="100000">
+                                          <p:val>
+                                            <p:strVal val="#ppt_y"/>
+                                          </p:val>
+                                        </p:tav>
+                                      </p:tavLst>
+                                    </p:anim>
+                                  </p:childTnLst>
+                                </p:cTn>
+                              </p:par>
+                            </p:childTnLst>
+                          </p:cTn>
+                        </p:par>
+                      </p:childTnLst>
+                    </p:cTn>
+                  </p:par>
+                </p:childTnLst>
+              </p:cTn>
+              <p:prevCondLst>
+                <p:cond evt="onPrev" delay="0">
+                  <p:tgtEl>
+                    <p:sldTgt/>
+                  </p:tgtEl>
+                </p:cond>
+              </p:prevCondLst>
+              <p:nextCondLst>
+                <p:cond evt="onNext" delay="0">
+                  <p:tgtEl>
+                    <p:sldTgt/>
+                  </p:tgtEl>
+                </p:cond>
+              </p:nextCondLst>
+            </p:seq>
+          </p:childTnLst>
+        </p:cTn>
       </p:par>
     </p:tnLst>
+    <p:bldLst>
+      <p:bldP spid="7" grpId="0" animBg="1"/>
+      <p:bldP spid="9" grpId="0" animBg="1"/>
+      <p:bldP spid="15" grpId="0" animBg="1"/>
+      <p:bldP spid="21" grpId="0" animBg="1"/>
+      <p:bldP spid="29" grpId="0" animBg="1"/>
+      <p:bldP spid="30" grpId="0" animBg="1"/>
+      <p:bldP spid="31" grpId="0" animBg="1"/>
+      <p:bldP spid="33" grpId="0" animBg="1"/>
+      <p:bldP spid="37" grpId="0" animBg="1"/>
+      <p:bldP spid="25" grpId="0" animBg="1"/>
+      <p:bldP spid="2" grpId="0" animBg="1"/>
+      <p:bldP spid="27" grpId="0" animBg="1"/>
+      <p:bldP spid="28" grpId="0" animBg="1"/>
+      <p:bldP spid="6" grpId="0" animBg="1"/>
+    </p:bldLst>
   </p:timing>
 </p:sld>
 </file>
@@ -8877,23 +11310,14 @@
             </a:r>
             <a:r>
               <a:rPr lang="de-DE" dirty="0" smtClean="0"/>
-              <a:t> </a:t>
-            </a:r>
+              <a:t> Pi 3</a:t>
+            </a:r>
+          </a:p>
+          <a:p>
+            <a:pPr algn="ctr"/>
             <a:r>
               <a:rPr lang="de-DE" dirty="0" smtClean="0"/>
-              <a:t>Pi 3</a:t>
-            </a:r>
-            <a:endParaRPr lang="de-DE" dirty="0" smtClean="0"/>
-          </a:p>
-          <a:p>
-            <a:pPr algn="ctr"/>
-            <a:r>
-              <a:rPr lang="de-DE" dirty="0" smtClean="0"/>
-              <a:t>+ </a:t>
-            </a:r>
-            <a:r>
-              <a:rPr lang="de-DE" dirty="0" smtClean="0"/>
-              <a:t>Touch Screen LCD</a:t>
+              <a:t>+ Touch Screen LCD</a:t>
             </a:r>
             <a:endParaRPr lang="de-DE" dirty="0"/>
           </a:p>
@@ -9093,11 +11517,7 @@
             </a:r>
             <a:r>
               <a:rPr lang="de-DE" dirty="0" smtClean="0"/>
-              <a:t> front </a:t>
-            </a:r>
-            <a:r>
-              <a:rPr lang="de-DE" dirty="0" smtClean="0"/>
-              <a:t>&amp; back</a:t>
+              <a:t> front &amp; back</a:t>
             </a:r>
             <a:endParaRPr lang="de-DE" dirty="0"/>
           </a:p>
@@ -9190,7 +11610,6 @@
               <a:rPr lang="de-DE" dirty="0" smtClean="0"/>
               <a:t>LEDs </a:t>
             </a:r>
-            <a:endParaRPr lang="de-DE" dirty="0" smtClean="0"/>
           </a:p>
           <a:p>
             <a:pPr algn="ctr"/>
@@ -9243,13 +11662,8 @@
             <a:pPr algn="ctr"/>
             <a:r>
               <a:rPr lang="de-DE" dirty="0" smtClean="0"/>
-              <a:t>Xbox </a:t>
-            </a:r>
-            <a:r>
-              <a:rPr lang="de-DE" dirty="0" smtClean="0"/>
-              <a:t>/ </a:t>
-            </a:r>
-            <a:endParaRPr lang="de-DE" dirty="0" smtClean="0"/>
+              <a:t>Xbox / </a:t>
+            </a:r>
           </a:p>
           <a:p>
             <a:pPr algn="ctr"/>
@@ -9746,19 +12160,21 @@
       </p:cxnSp>
       <p:cxnSp>
         <p:nvCxnSpPr>
-          <p:cNvPr id="20" name="Gerader Verbinder 19"/>
+          <p:cNvPr id="8" name="Gewinkelter Verbinder 7"/>
           <p:cNvCxnSpPr>
             <a:stCxn id="31" idx="1"/>
           </p:cNvCxnSpPr>
           <p:nvPr/>
         </p:nvCxnSpPr>
         <p:spPr>
-          <a:xfrm flipH="1">
-            <a:off x="6777893" y="4718643"/>
-            <a:ext cx="461103" cy="3376"/>
-          </a:xfrm>
-          <a:prstGeom prst="line">
-            <a:avLst/>
+          <a:xfrm rot="10800000">
+            <a:off x="6777894" y="4282081"/>
+            <a:ext cx="461103" cy="436563"/>
+          </a:xfrm>
+          <a:prstGeom prst="bentConnector3">
+            <a:avLst>
+              <a:gd name="adj1" fmla="val 100848"/>
+            </a:avLst>
           </a:prstGeom>
           <a:ln w="25400">
             <a:solidFill>
@@ -9784,7 +12200,7 @@
     </p:spTree>
     <p:extLst>
       <p:ext uri="{BB962C8B-B14F-4D97-AF65-F5344CB8AC3E}">
-        <p14:creationId xmlns:p14="http://schemas.microsoft.com/office/powerpoint/2010/main" val="1399976704"/>
+        <p14:creationId xmlns:p14="http://schemas.microsoft.com/office/powerpoint/2010/main" val="3193396693"/>
       </p:ext>
     </p:extLst>
   </p:cSld>
@@ -9794,9 +12210,1772 @@
   <p:timing>
     <p:tnLst>
       <p:par>
-        <p:cTn id="1" dur="indefinite" restart="never" nodeType="tmRoot"/>
+        <p:cTn id="1" dur="indefinite" restart="never" nodeType="tmRoot">
+          <p:childTnLst>
+            <p:seq concurrent="1" nextAc="seek">
+              <p:cTn id="2" dur="indefinite" nodeType="mainSeq">
+                <p:childTnLst>
+                  <p:par>
+                    <p:cTn id="3" fill="hold">
+                      <p:stCondLst>
+                        <p:cond delay="indefinite"/>
+                      </p:stCondLst>
+                      <p:childTnLst>
+                        <p:par>
+                          <p:cTn id="4" fill="hold">
+                            <p:stCondLst>
+                              <p:cond delay="0"/>
+                            </p:stCondLst>
+                            <p:childTnLst>
+                              <p:par>
+                                <p:cTn id="5" presetID="42" presetClass="entr" presetSubtype="0" fill="hold" nodeType="clickEffect">
+                                  <p:stCondLst>
+                                    <p:cond delay="0"/>
+                                  </p:stCondLst>
+                                  <p:childTnLst>
+                                    <p:set>
+                                      <p:cBhvr>
+                                        <p:cTn id="6" dur="1" fill="hold">
+                                          <p:stCondLst>
+                                            <p:cond delay="0"/>
+                                          </p:stCondLst>
+                                        </p:cTn>
+                                        <p:tgtEl>
+                                          <p:spTgt spid="11"/>
+                                        </p:tgtEl>
+                                        <p:attrNameLst>
+                                          <p:attrName>style.visibility</p:attrName>
+                                        </p:attrNameLst>
+                                      </p:cBhvr>
+                                      <p:to>
+                                        <p:strVal val="visible"/>
+                                      </p:to>
+                                    </p:set>
+                                    <p:animEffect transition="in" filter="fade">
+                                      <p:cBhvr>
+                                        <p:cTn id="7" dur="1000"/>
+                                        <p:tgtEl>
+                                          <p:spTgt spid="11"/>
+                                        </p:tgtEl>
+                                      </p:cBhvr>
+                                    </p:animEffect>
+                                    <p:anim calcmode="lin" valueType="num">
+                                      <p:cBhvr>
+                                        <p:cTn id="8" dur="1000" fill="hold"/>
+                                        <p:tgtEl>
+                                          <p:spTgt spid="11"/>
+                                        </p:tgtEl>
+                                        <p:attrNameLst>
+                                          <p:attrName>ppt_x</p:attrName>
+                                        </p:attrNameLst>
+                                      </p:cBhvr>
+                                      <p:tavLst>
+                                        <p:tav tm="0">
+                                          <p:val>
+                                            <p:strVal val="#ppt_x"/>
+                                          </p:val>
+                                        </p:tav>
+                                        <p:tav tm="100000">
+                                          <p:val>
+                                            <p:strVal val="#ppt_x"/>
+                                          </p:val>
+                                        </p:tav>
+                                      </p:tavLst>
+                                    </p:anim>
+                                    <p:anim calcmode="lin" valueType="num">
+                                      <p:cBhvr>
+                                        <p:cTn id="9" dur="1000" fill="hold"/>
+                                        <p:tgtEl>
+                                          <p:spTgt spid="11"/>
+                                        </p:tgtEl>
+                                        <p:attrNameLst>
+                                          <p:attrName>ppt_y</p:attrName>
+                                        </p:attrNameLst>
+                                      </p:cBhvr>
+                                      <p:tavLst>
+                                        <p:tav tm="0">
+                                          <p:val>
+                                            <p:strVal val="#ppt_y+.1"/>
+                                          </p:val>
+                                        </p:tav>
+                                        <p:tav tm="100000">
+                                          <p:val>
+                                            <p:strVal val="#ppt_y"/>
+                                          </p:val>
+                                        </p:tav>
+                                      </p:tavLst>
+                                    </p:anim>
+                                  </p:childTnLst>
+                                </p:cTn>
+                              </p:par>
+                              <p:par>
+                                <p:cTn id="10" presetID="42" presetClass="entr" presetSubtype="0" fill="hold" nodeType="withEffect">
+                                  <p:stCondLst>
+                                    <p:cond delay="0"/>
+                                  </p:stCondLst>
+                                  <p:childTnLst>
+                                    <p:set>
+                                      <p:cBhvr>
+                                        <p:cTn id="11" dur="1" fill="hold">
+                                          <p:stCondLst>
+                                            <p:cond delay="0"/>
+                                          </p:stCondLst>
+                                        </p:cTn>
+                                        <p:tgtEl>
+                                          <p:spTgt spid="16"/>
+                                        </p:tgtEl>
+                                        <p:attrNameLst>
+                                          <p:attrName>style.visibility</p:attrName>
+                                        </p:attrNameLst>
+                                      </p:cBhvr>
+                                      <p:to>
+                                        <p:strVal val="visible"/>
+                                      </p:to>
+                                    </p:set>
+                                    <p:animEffect transition="in" filter="fade">
+                                      <p:cBhvr>
+                                        <p:cTn id="12" dur="1000"/>
+                                        <p:tgtEl>
+                                          <p:spTgt spid="16"/>
+                                        </p:tgtEl>
+                                      </p:cBhvr>
+                                    </p:animEffect>
+                                    <p:anim calcmode="lin" valueType="num">
+                                      <p:cBhvr>
+                                        <p:cTn id="13" dur="1000" fill="hold"/>
+                                        <p:tgtEl>
+                                          <p:spTgt spid="16"/>
+                                        </p:tgtEl>
+                                        <p:attrNameLst>
+                                          <p:attrName>ppt_x</p:attrName>
+                                        </p:attrNameLst>
+                                      </p:cBhvr>
+                                      <p:tavLst>
+                                        <p:tav tm="0">
+                                          <p:val>
+                                            <p:strVal val="#ppt_x"/>
+                                          </p:val>
+                                        </p:tav>
+                                        <p:tav tm="100000">
+                                          <p:val>
+                                            <p:strVal val="#ppt_x"/>
+                                          </p:val>
+                                        </p:tav>
+                                      </p:tavLst>
+                                    </p:anim>
+                                    <p:anim calcmode="lin" valueType="num">
+                                      <p:cBhvr>
+                                        <p:cTn id="14" dur="1000" fill="hold"/>
+                                        <p:tgtEl>
+                                          <p:spTgt spid="16"/>
+                                        </p:tgtEl>
+                                        <p:attrNameLst>
+                                          <p:attrName>ppt_y</p:attrName>
+                                        </p:attrNameLst>
+                                      </p:cBhvr>
+                                      <p:tavLst>
+                                        <p:tav tm="0">
+                                          <p:val>
+                                            <p:strVal val="#ppt_y+.1"/>
+                                          </p:val>
+                                        </p:tav>
+                                        <p:tav tm="100000">
+                                          <p:val>
+                                            <p:strVal val="#ppt_y"/>
+                                          </p:val>
+                                        </p:tav>
+                                      </p:tavLst>
+                                    </p:anim>
+                                  </p:childTnLst>
+                                </p:cTn>
+                              </p:par>
+                              <p:par>
+                                <p:cTn id="15" presetID="42" presetClass="entr" presetSubtype="0" fill="hold" grpId="0" nodeType="withEffect">
+                                  <p:stCondLst>
+                                    <p:cond delay="0"/>
+                                  </p:stCondLst>
+                                  <p:childTnLst>
+                                    <p:set>
+                                      <p:cBhvr>
+                                        <p:cTn id="16" dur="1" fill="hold">
+                                          <p:stCondLst>
+                                            <p:cond delay="0"/>
+                                          </p:stCondLst>
+                                        </p:cTn>
+                                        <p:tgtEl>
+                                          <p:spTgt spid="38"/>
+                                        </p:tgtEl>
+                                        <p:attrNameLst>
+                                          <p:attrName>style.visibility</p:attrName>
+                                        </p:attrNameLst>
+                                      </p:cBhvr>
+                                      <p:to>
+                                        <p:strVal val="visible"/>
+                                      </p:to>
+                                    </p:set>
+                                    <p:animEffect transition="in" filter="fade">
+                                      <p:cBhvr>
+                                        <p:cTn id="17" dur="1000"/>
+                                        <p:tgtEl>
+                                          <p:spTgt spid="38"/>
+                                        </p:tgtEl>
+                                      </p:cBhvr>
+                                    </p:animEffect>
+                                    <p:anim calcmode="lin" valueType="num">
+                                      <p:cBhvr>
+                                        <p:cTn id="18" dur="1000" fill="hold"/>
+                                        <p:tgtEl>
+                                          <p:spTgt spid="38"/>
+                                        </p:tgtEl>
+                                        <p:attrNameLst>
+                                          <p:attrName>ppt_x</p:attrName>
+                                        </p:attrNameLst>
+                                      </p:cBhvr>
+                                      <p:tavLst>
+                                        <p:tav tm="0">
+                                          <p:val>
+                                            <p:strVal val="#ppt_x"/>
+                                          </p:val>
+                                        </p:tav>
+                                        <p:tav tm="100000">
+                                          <p:val>
+                                            <p:strVal val="#ppt_x"/>
+                                          </p:val>
+                                        </p:tav>
+                                      </p:tavLst>
+                                    </p:anim>
+                                    <p:anim calcmode="lin" valueType="num">
+                                      <p:cBhvr>
+                                        <p:cTn id="19" dur="1000" fill="hold"/>
+                                        <p:tgtEl>
+                                          <p:spTgt spid="38"/>
+                                        </p:tgtEl>
+                                        <p:attrNameLst>
+                                          <p:attrName>ppt_y</p:attrName>
+                                        </p:attrNameLst>
+                                      </p:cBhvr>
+                                      <p:tavLst>
+                                        <p:tav tm="0">
+                                          <p:val>
+                                            <p:strVal val="#ppt_y+.1"/>
+                                          </p:val>
+                                        </p:tav>
+                                        <p:tav tm="100000">
+                                          <p:val>
+                                            <p:strVal val="#ppt_y"/>
+                                          </p:val>
+                                        </p:tav>
+                                      </p:tavLst>
+                                    </p:anim>
+                                  </p:childTnLst>
+                                </p:cTn>
+                              </p:par>
+                              <p:par>
+                                <p:cTn id="20" presetID="42" presetClass="entr" presetSubtype="0" fill="hold" grpId="0" nodeType="withEffect">
+                                  <p:stCondLst>
+                                    <p:cond delay="0"/>
+                                  </p:stCondLst>
+                                  <p:childTnLst>
+                                    <p:set>
+                                      <p:cBhvr>
+                                        <p:cTn id="21" dur="1" fill="hold">
+                                          <p:stCondLst>
+                                            <p:cond delay="0"/>
+                                          </p:stCondLst>
+                                        </p:cTn>
+                                        <p:tgtEl>
+                                          <p:spTgt spid="37"/>
+                                        </p:tgtEl>
+                                        <p:attrNameLst>
+                                          <p:attrName>style.visibility</p:attrName>
+                                        </p:attrNameLst>
+                                      </p:cBhvr>
+                                      <p:to>
+                                        <p:strVal val="visible"/>
+                                      </p:to>
+                                    </p:set>
+                                    <p:animEffect transition="in" filter="fade">
+                                      <p:cBhvr>
+                                        <p:cTn id="22" dur="1000"/>
+                                        <p:tgtEl>
+                                          <p:spTgt spid="37"/>
+                                        </p:tgtEl>
+                                      </p:cBhvr>
+                                    </p:animEffect>
+                                    <p:anim calcmode="lin" valueType="num">
+                                      <p:cBhvr>
+                                        <p:cTn id="23" dur="1000" fill="hold"/>
+                                        <p:tgtEl>
+                                          <p:spTgt spid="37"/>
+                                        </p:tgtEl>
+                                        <p:attrNameLst>
+                                          <p:attrName>ppt_x</p:attrName>
+                                        </p:attrNameLst>
+                                      </p:cBhvr>
+                                      <p:tavLst>
+                                        <p:tav tm="0">
+                                          <p:val>
+                                            <p:strVal val="#ppt_x"/>
+                                          </p:val>
+                                        </p:tav>
+                                        <p:tav tm="100000">
+                                          <p:val>
+                                            <p:strVal val="#ppt_x"/>
+                                          </p:val>
+                                        </p:tav>
+                                      </p:tavLst>
+                                    </p:anim>
+                                    <p:anim calcmode="lin" valueType="num">
+                                      <p:cBhvr>
+                                        <p:cTn id="24" dur="1000" fill="hold"/>
+                                        <p:tgtEl>
+                                          <p:spTgt spid="37"/>
+                                        </p:tgtEl>
+                                        <p:attrNameLst>
+                                          <p:attrName>ppt_y</p:attrName>
+                                        </p:attrNameLst>
+                                      </p:cBhvr>
+                                      <p:tavLst>
+                                        <p:tav tm="0">
+                                          <p:val>
+                                            <p:strVal val="#ppt_y+.1"/>
+                                          </p:val>
+                                        </p:tav>
+                                        <p:tav tm="100000">
+                                          <p:val>
+                                            <p:strVal val="#ppt_y"/>
+                                          </p:val>
+                                        </p:tav>
+                                      </p:tavLst>
+                                    </p:anim>
+                                  </p:childTnLst>
+                                </p:cTn>
+                              </p:par>
+                            </p:childTnLst>
+                          </p:cTn>
+                        </p:par>
+                      </p:childTnLst>
+                    </p:cTn>
+                  </p:par>
+                  <p:par>
+                    <p:cTn id="25" fill="hold">
+                      <p:stCondLst>
+                        <p:cond delay="indefinite"/>
+                      </p:stCondLst>
+                      <p:childTnLst>
+                        <p:par>
+                          <p:cTn id="26" fill="hold">
+                            <p:stCondLst>
+                              <p:cond delay="0"/>
+                            </p:stCondLst>
+                            <p:childTnLst>
+                              <p:par>
+                                <p:cTn id="27" presetID="42" presetClass="entr" presetSubtype="0" fill="hold" nodeType="clickEffect">
+                                  <p:stCondLst>
+                                    <p:cond delay="0"/>
+                                  </p:stCondLst>
+                                  <p:childTnLst>
+                                    <p:set>
+                                      <p:cBhvr>
+                                        <p:cTn id="28" dur="1" fill="hold">
+                                          <p:stCondLst>
+                                            <p:cond delay="0"/>
+                                          </p:stCondLst>
+                                        </p:cTn>
+                                        <p:tgtEl>
+                                          <p:spTgt spid="18"/>
+                                        </p:tgtEl>
+                                        <p:attrNameLst>
+                                          <p:attrName>style.visibility</p:attrName>
+                                        </p:attrNameLst>
+                                      </p:cBhvr>
+                                      <p:to>
+                                        <p:strVal val="visible"/>
+                                      </p:to>
+                                    </p:set>
+                                    <p:animEffect transition="in" filter="fade">
+                                      <p:cBhvr>
+                                        <p:cTn id="29" dur="1000"/>
+                                        <p:tgtEl>
+                                          <p:spTgt spid="18"/>
+                                        </p:tgtEl>
+                                      </p:cBhvr>
+                                    </p:animEffect>
+                                    <p:anim calcmode="lin" valueType="num">
+                                      <p:cBhvr>
+                                        <p:cTn id="30" dur="1000" fill="hold"/>
+                                        <p:tgtEl>
+                                          <p:spTgt spid="18"/>
+                                        </p:tgtEl>
+                                        <p:attrNameLst>
+                                          <p:attrName>ppt_x</p:attrName>
+                                        </p:attrNameLst>
+                                      </p:cBhvr>
+                                      <p:tavLst>
+                                        <p:tav tm="0">
+                                          <p:val>
+                                            <p:strVal val="#ppt_x"/>
+                                          </p:val>
+                                        </p:tav>
+                                        <p:tav tm="100000">
+                                          <p:val>
+                                            <p:strVal val="#ppt_x"/>
+                                          </p:val>
+                                        </p:tav>
+                                      </p:tavLst>
+                                    </p:anim>
+                                    <p:anim calcmode="lin" valueType="num">
+                                      <p:cBhvr>
+                                        <p:cTn id="31" dur="1000" fill="hold"/>
+                                        <p:tgtEl>
+                                          <p:spTgt spid="18"/>
+                                        </p:tgtEl>
+                                        <p:attrNameLst>
+                                          <p:attrName>ppt_y</p:attrName>
+                                        </p:attrNameLst>
+                                      </p:cBhvr>
+                                      <p:tavLst>
+                                        <p:tav tm="0">
+                                          <p:val>
+                                            <p:strVal val="#ppt_y+.1"/>
+                                          </p:val>
+                                        </p:tav>
+                                        <p:tav tm="100000">
+                                          <p:val>
+                                            <p:strVal val="#ppt_y"/>
+                                          </p:val>
+                                        </p:tav>
+                                      </p:tavLst>
+                                    </p:anim>
+                                  </p:childTnLst>
+                                </p:cTn>
+                              </p:par>
+                              <p:par>
+                                <p:cTn id="32" presetID="42" presetClass="entr" presetSubtype="0" fill="hold" grpId="0" nodeType="withEffect">
+                                  <p:stCondLst>
+                                    <p:cond delay="0"/>
+                                  </p:stCondLst>
+                                  <p:childTnLst>
+                                    <p:set>
+                                      <p:cBhvr>
+                                        <p:cTn id="33" dur="1" fill="hold">
+                                          <p:stCondLst>
+                                            <p:cond delay="0"/>
+                                          </p:stCondLst>
+                                        </p:cTn>
+                                        <p:tgtEl>
+                                          <p:spTgt spid="9"/>
+                                        </p:tgtEl>
+                                        <p:attrNameLst>
+                                          <p:attrName>style.visibility</p:attrName>
+                                        </p:attrNameLst>
+                                      </p:cBhvr>
+                                      <p:to>
+                                        <p:strVal val="visible"/>
+                                      </p:to>
+                                    </p:set>
+                                    <p:animEffect transition="in" filter="fade">
+                                      <p:cBhvr>
+                                        <p:cTn id="34" dur="1000"/>
+                                        <p:tgtEl>
+                                          <p:spTgt spid="9"/>
+                                        </p:tgtEl>
+                                      </p:cBhvr>
+                                    </p:animEffect>
+                                    <p:anim calcmode="lin" valueType="num">
+                                      <p:cBhvr>
+                                        <p:cTn id="35" dur="1000" fill="hold"/>
+                                        <p:tgtEl>
+                                          <p:spTgt spid="9"/>
+                                        </p:tgtEl>
+                                        <p:attrNameLst>
+                                          <p:attrName>ppt_x</p:attrName>
+                                        </p:attrNameLst>
+                                      </p:cBhvr>
+                                      <p:tavLst>
+                                        <p:tav tm="0">
+                                          <p:val>
+                                            <p:strVal val="#ppt_x"/>
+                                          </p:val>
+                                        </p:tav>
+                                        <p:tav tm="100000">
+                                          <p:val>
+                                            <p:strVal val="#ppt_x"/>
+                                          </p:val>
+                                        </p:tav>
+                                      </p:tavLst>
+                                    </p:anim>
+                                    <p:anim calcmode="lin" valueType="num">
+                                      <p:cBhvr>
+                                        <p:cTn id="36" dur="1000" fill="hold"/>
+                                        <p:tgtEl>
+                                          <p:spTgt spid="9"/>
+                                        </p:tgtEl>
+                                        <p:attrNameLst>
+                                          <p:attrName>ppt_y</p:attrName>
+                                        </p:attrNameLst>
+                                      </p:cBhvr>
+                                      <p:tavLst>
+                                        <p:tav tm="0">
+                                          <p:val>
+                                            <p:strVal val="#ppt_y+.1"/>
+                                          </p:val>
+                                        </p:tav>
+                                        <p:tav tm="100000">
+                                          <p:val>
+                                            <p:strVal val="#ppt_y"/>
+                                          </p:val>
+                                        </p:tav>
+                                      </p:tavLst>
+                                    </p:anim>
+                                  </p:childTnLst>
+                                </p:cTn>
+                              </p:par>
+                            </p:childTnLst>
+                          </p:cTn>
+                        </p:par>
+                      </p:childTnLst>
+                    </p:cTn>
+                  </p:par>
+                  <p:par>
+                    <p:cTn id="37" fill="hold">
+                      <p:stCondLst>
+                        <p:cond delay="indefinite"/>
+                      </p:stCondLst>
+                      <p:childTnLst>
+                        <p:par>
+                          <p:cTn id="38" fill="hold">
+                            <p:stCondLst>
+                              <p:cond delay="0"/>
+                            </p:stCondLst>
+                            <p:childTnLst>
+                              <p:par>
+                                <p:cTn id="39" presetID="42" presetClass="entr" presetSubtype="0" fill="hold" nodeType="clickEffect">
+                                  <p:stCondLst>
+                                    <p:cond delay="0"/>
+                                  </p:stCondLst>
+                                  <p:childTnLst>
+                                    <p:set>
+                                      <p:cBhvr>
+                                        <p:cTn id="40" dur="1" fill="hold">
+                                          <p:stCondLst>
+                                            <p:cond delay="0"/>
+                                          </p:stCondLst>
+                                        </p:cTn>
+                                        <p:tgtEl>
+                                          <p:spTgt spid="24"/>
+                                        </p:tgtEl>
+                                        <p:attrNameLst>
+                                          <p:attrName>style.visibility</p:attrName>
+                                        </p:attrNameLst>
+                                      </p:cBhvr>
+                                      <p:to>
+                                        <p:strVal val="visible"/>
+                                      </p:to>
+                                    </p:set>
+                                    <p:animEffect transition="in" filter="fade">
+                                      <p:cBhvr>
+                                        <p:cTn id="41" dur="1000"/>
+                                        <p:tgtEl>
+                                          <p:spTgt spid="24"/>
+                                        </p:tgtEl>
+                                      </p:cBhvr>
+                                    </p:animEffect>
+                                    <p:anim calcmode="lin" valueType="num">
+                                      <p:cBhvr>
+                                        <p:cTn id="42" dur="1000" fill="hold"/>
+                                        <p:tgtEl>
+                                          <p:spTgt spid="24"/>
+                                        </p:tgtEl>
+                                        <p:attrNameLst>
+                                          <p:attrName>ppt_x</p:attrName>
+                                        </p:attrNameLst>
+                                      </p:cBhvr>
+                                      <p:tavLst>
+                                        <p:tav tm="0">
+                                          <p:val>
+                                            <p:strVal val="#ppt_x"/>
+                                          </p:val>
+                                        </p:tav>
+                                        <p:tav tm="100000">
+                                          <p:val>
+                                            <p:strVal val="#ppt_x"/>
+                                          </p:val>
+                                        </p:tav>
+                                      </p:tavLst>
+                                    </p:anim>
+                                    <p:anim calcmode="lin" valueType="num">
+                                      <p:cBhvr>
+                                        <p:cTn id="43" dur="1000" fill="hold"/>
+                                        <p:tgtEl>
+                                          <p:spTgt spid="24"/>
+                                        </p:tgtEl>
+                                        <p:attrNameLst>
+                                          <p:attrName>ppt_y</p:attrName>
+                                        </p:attrNameLst>
+                                      </p:cBhvr>
+                                      <p:tavLst>
+                                        <p:tav tm="0">
+                                          <p:val>
+                                            <p:strVal val="#ppt_y+.1"/>
+                                          </p:val>
+                                        </p:tav>
+                                        <p:tav tm="100000">
+                                          <p:val>
+                                            <p:strVal val="#ppt_y"/>
+                                          </p:val>
+                                        </p:tav>
+                                      </p:tavLst>
+                                    </p:anim>
+                                  </p:childTnLst>
+                                </p:cTn>
+                              </p:par>
+                              <p:par>
+                                <p:cTn id="44" presetID="42" presetClass="entr" presetSubtype="0" fill="hold" nodeType="withEffect">
+                                  <p:stCondLst>
+                                    <p:cond delay="0"/>
+                                  </p:stCondLst>
+                                  <p:childTnLst>
+                                    <p:set>
+                                      <p:cBhvr>
+                                        <p:cTn id="45" dur="1" fill="hold">
+                                          <p:stCondLst>
+                                            <p:cond delay="0"/>
+                                          </p:stCondLst>
+                                        </p:cTn>
+                                        <p:tgtEl>
+                                          <p:spTgt spid="42"/>
+                                        </p:tgtEl>
+                                        <p:attrNameLst>
+                                          <p:attrName>style.visibility</p:attrName>
+                                        </p:attrNameLst>
+                                      </p:cBhvr>
+                                      <p:to>
+                                        <p:strVal val="visible"/>
+                                      </p:to>
+                                    </p:set>
+                                    <p:animEffect transition="in" filter="fade">
+                                      <p:cBhvr>
+                                        <p:cTn id="46" dur="1000"/>
+                                        <p:tgtEl>
+                                          <p:spTgt spid="42"/>
+                                        </p:tgtEl>
+                                      </p:cBhvr>
+                                    </p:animEffect>
+                                    <p:anim calcmode="lin" valueType="num">
+                                      <p:cBhvr>
+                                        <p:cTn id="47" dur="1000" fill="hold"/>
+                                        <p:tgtEl>
+                                          <p:spTgt spid="42"/>
+                                        </p:tgtEl>
+                                        <p:attrNameLst>
+                                          <p:attrName>ppt_x</p:attrName>
+                                        </p:attrNameLst>
+                                      </p:cBhvr>
+                                      <p:tavLst>
+                                        <p:tav tm="0">
+                                          <p:val>
+                                            <p:strVal val="#ppt_x"/>
+                                          </p:val>
+                                        </p:tav>
+                                        <p:tav tm="100000">
+                                          <p:val>
+                                            <p:strVal val="#ppt_x"/>
+                                          </p:val>
+                                        </p:tav>
+                                      </p:tavLst>
+                                    </p:anim>
+                                    <p:anim calcmode="lin" valueType="num">
+                                      <p:cBhvr>
+                                        <p:cTn id="48" dur="1000" fill="hold"/>
+                                        <p:tgtEl>
+                                          <p:spTgt spid="42"/>
+                                        </p:tgtEl>
+                                        <p:attrNameLst>
+                                          <p:attrName>ppt_y</p:attrName>
+                                        </p:attrNameLst>
+                                      </p:cBhvr>
+                                      <p:tavLst>
+                                        <p:tav tm="0">
+                                          <p:val>
+                                            <p:strVal val="#ppt_y+.1"/>
+                                          </p:val>
+                                        </p:tav>
+                                        <p:tav tm="100000">
+                                          <p:val>
+                                            <p:strVal val="#ppt_y"/>
+                                          </p:val>
+                                        </p:tav>
+                                      </p:tavLst>
+                                    </p:anim>
+                                  </p:childTnLst>
+                                </p:cTn>
+                              </p:par>
+                              <p:par>
+                                <p:cTn id="49" presetID="42" presetClass="entr" presetSubtype="0" fill="hold" grpId="0" nodeType="withEffect">
+                                  <p:stCondLst>
+                                    <p:cond delay="0"/>
+                                  </p:stCondLst>
+                                  <p:childTnLst>
+                                    <p:set>
+                                      <p:cBhvr>
+                                        <p:cTn id="50" dur="1" fill="hold">
+                                          <p:stCondLst>
+                                            <p:cond delay="0"/>
+                                          </p:stCondLst>
+                                        </p:cTn>
+                                        <p:tgtEl>
+                                          <p:spTgt spid="36"/>
+                                        </p:tgtEl>
+                                        <p:attrNameLst>
+                                          <p:attrName>style.visibility</p:attrName>
+                                        </p:attrNameLst>
+                                      </p:cBhvr>
+                                      <p:to>
+                                        <p:strVal val="visible"/>
+                                      </p:to>
+                                    </p:set>
+                                    <p:animEffect transition="in" filter="fade">
+                                      <p:cBhvr>
+                                        <p:cTn id="51" dur="1000"/>
+                                        <p:tgtEl>
+                                          <p:spTgt spid="36"/>
+                                        </p:tgtEl>
+                                      </p:cBhvr>
+                                    </p:animEffect>
+                                    <p:anim calcmode="lin" valueType="num">
+                                      <p:cBhvr>
+                                        <p:cTn id="52" dur="1000" fill="hold"/>
+                                        <p:tgtEl>
+                                          <p:spTgt spid="36"/>
+                                        </p:tgtEl>
+                                        <p:attrNameLst>
+                                          <p:attrName>ppt_x</p:attrName>
+                                        </p:attrNameLst>
+                                      </p:cBhvr>
+                                      <p:tavLst>
+                                        <p:tav tm="0">
+                                          <p:val>
+                                            <p:strVal val="#ppt_x"/>
+                                          </p:val>
+                                        </p:tav>
+                                        <p:tav tm="100000">
+                                          <p:val>
+                                            <p:strVal val="#ppt_x"/>
+                                          </p:val>
+                                        </p:tav>
+                                      </p:tavLst>
+                                    </p:anim>
+                                    <p:anim calcmode="lin" valueType="num">
+                                      <p:cBhvr>
+                                        <p:cTn id="53" dur="1000" fill="hold"/>
+                                        <p:tgtEl>
+                                          <p:spTgt spid="36"/>
+                                        </p:tgtEl>
+                                        <p:attrNameLst>
+                                          <p:attrName>ppt_y</p:attrName>
+                                        </p:attrNameLst>
+                                      </p:cBhvr>
+                                      <p:tavLst>
+                                        <p:tav tm="0">
+                                          <p:val>
+                                            <p:strVal val="#ppt_y+.1"/>
+                                          </p:val>
+                                        </p:tav>
+                                        <p:tav tm="100000">
+                                          <p:val>
+                                            <p:strVal val="#ppt_y"/>
+                                          </p:val>
+                                        </p:tav>
+                                      </p:tavLst>
+                                    </p:anim>
+                                  </p:childTnLst>
+                                </p:cTn>
+                              </p:par>
+                              <p:par>
+                                <p:cTn id="54" presetID="42" presetClass="entr" presetSubtype="0" fill="hold" grpId="0" nodeType="withEffect">
+                                  <p:stCondLst>
+                                    <p:cond delay="0"/>
+                                  </p:stCondLst>
+                                  <p:childTnLst>
+                                    <p:set>
+                                      <p:cBhvr>
+                                        <p:cTn id="55" dur="1" fill="hold">
+                                          <p:stCondLst>
+                                            <p:cond delay="0"/>
+                                          </p:stCondLst>
+                                        </p:cTn>
+                                        <p:tgtEl>
+                                          <p:spTgt spid="15"/>
+                                        </p:tgtEl>
+                                        <p:attrNameLst>
+                                          <p:attrName>style.visibility</p:attrName>
+                                        </p:attrNameLst>
+                                      </p:cBhvr>
+                                      <p:to>
+                                        <p:strVal val="visible"/>
+                                      </p:to>
+                                    </p:set>
+                                    <p:animEffect transition="in" filter="fade">
+                                      <p:cBhvr>
+                                        <p:cTn id="56" dur="1000"/>
+                                        <p:tgtEl>
+                                          <p:spTgt spid="15"/>
+                                        </p:tgtEl>
+                                      </p:cBhvr>
+                                    </p:animEffect>
+                                    <p:anim calcmode="lin" valueType="num">
+                                      <p:cBhvr>
+                                        <p:cTn id="57" dur="1000" fill="hold"/>
+                                        <p:tgtEl>
+                                          <p:spTgt spid="15"/>
+                                        </p:tgtEl>
+                                        <p:attrNameLst>
+                                          <p:attrName>ppt_x</p:attrName>
+                                        </p:attrNameLst>
+                                      </p:cBhvr>
+                                      <p:tavLst>
+                                        <p:tav tm="0">
+                                          <p:val>
+                                            <p:strVal val="#ppt_x"/>
+                                          </p:val>
+                                        </p:tav>
+                                        <p:tav tm="100000">
+                                          <p:val>
+                                            <p:strVal val="#ppt_x"/>
+                                          </p:val>
+                                        </p:tav>
+                                      </p:tavLst>
+                                    </p:anim>
+                                    <p:anim calcmode="lin" valueType="num">
+                                      <p:cBhvr>
+                                        <p:cTn id="58" dur="1000" fill="hold"/>
+                                        <p:tgtEl>
+                                          <p:spTgt spid="15"/>
+                                        </p:tgtEl>
+                                        <p:attrNameLst>
+                                          <p:attrName>ppt_y</p:attrName>
+                                        </p:attrNameLst>
+                                      </p:cBhvr>
+                                      <p:tavLst>
+                                        <p:tav tm="0">
+                                          <p:val>
+                                            <p:strVal val="#ppt_y+.1"/>
+                                          </p:val>
+                                        </p:tav>
+                                        <p:tav tm="100000">
+                                          <p:val>
+                                            <p:strVal val="#ppt_y"/>
+                                          </p:val>
+                                        </p:tav>
+                                      </p:tavLst>
+                                    </p:anim>
+                                  </p:childTnLst>
+                                </p:cTn>
+                              </p:par>
+                            </p:childTnLst>
+                          </p:cTn>
+                        </p:par>
+                      </p:childTnLst>
+                    </p:cTn>
+                  </p:par>
+                  <p:par>
+                    <p:cTn id="59" fill="hold">
+                      <p:stCondLst>
+                        <p:cond delay="indefinite"/>
+                      </p:stCondLst>
+                      <p:childTnLst>
+                        <p:par>
+                          <p:cTn id="60" fill="hold">
+                            <p:stCondLst>
+                              <p:cond delay="0"/>
+                            </p:stCondLst>
+                            <p:childTnLst>
+                              <p:par>
+                                <p:cTn id="61" presetID="42" presetClass="entr" presetSubtype="0" fill="hold" nodeType="clickEffect">
+                                  <p:stCondLst>
+                                    <p:cond delay="0"/>
+                                  </p:stCondLst>
+                                  <p:childTnLst>
+                                    <p:set>
+                                      <p:cBhvr>
+                                        <p:cTn id="62" dur="1" fill="hold">
+                                          <p:stCondLst>
+                                            <p:cond delay="0"/>
+                                          </p:stCondLst>
+                                        </p:cTn>
+                                        <p:tgtEl>
+                                          <p:spTgt spid="10"/>
+                                        </p:tgtEl>
+                                        <p:attrNameLst>
+                                          <p:attrName>style.visibility</p:attrName>
+                                        </p:attrNameLst>
+                                      </p:cBhvr>
+                                      <p:to>
+                                        <p:strVal val="visible"/>
+                                      </p:to>
+                                    </p:set>
+                                    <p:animEffect transition="in" filter="fade">
+                                      <p:cBhvr>
+                                        <p:cTn id="63" dur="1000"/>
+                                        <p:tgtEl>
+                                          <p:spTgt spid="10"/>
+                                        </p:tgtEl>
+                                      </p:cBhvr>
+                                    </p:animEffect>
+                                    <p:anim calcmode="lin" valueType="num">
+                                      <p:cBhvr>
+                                        <p:cTn id="64" dur="1000" fill="hold"/>
+                                        <p:tgtEl>
+                                          <p:spTgt spid="10"/>
+                                        </p:tgtEl>
+                                        <p:attrNameLst>
+                                          <p:attrName>ppt_x</p:attrName>
+                                        </p:attrNameLst>
+                                      </p:cBhvr>
+                                      <p:tavLst>
+                                        <p:tav tm="0">
+                                          <p:val>
+                                            <p:strVal val="#ppt_x"/>
+                                          </p:val>
+                                        </p:tav>
+                                        <p:tav tm="100000">
+                                          <p:val>
+                                            <p:strVal val="#ppt_x"/>
+                                          </p:val>
+                                        </p:tav>
+                                      </p:tavLst>
+                                    </p:anim>
+                                    <p:anim calcmode="lin" valueType="num">
+                                      <p:cBhvr>
+                                        <p:cTn id="65" dur="1000" fill="hold"/>
+                                        <p:tgtEl>
+                                          <p:spTgt spid="10"/>
+                                        </p:tgtEl>
+                                        <p:attrNameLst>
+                                          <p:attrName>ppt_y</p:attrName>
+                                        </p:attrNameLst>
+                                      </p:cBhvr>
+                                      <p:tavLst>
+                                        <p:tav tm="0">
+                                          <p:val>
+                                            <p:strVal val="#ppt_y+.1"/>
+                                          </p:val>
+                                        </p:tav>
+                                        <p:tav tm="100000">
+                                          <p:val>
+                                            <p:strVal val="#ppt_y"/>
+                                          </p:val>
+                                        </p:tav>
+                                      </p:tavLst>
+                                    </p:anim>
+                                  </p:childTnLst>
+                                </p:cTn>
+                              </p:par>
+                              <p:par>
+                                <p:cTn id="66" presetID="42" presetClass="entr" presetSubtype="0" fill="hold" grpId="0" nodeType="withEffect">
+                                  <p:stCondLst>
+                                    <p:cond delay="0"/>
+                                  </p:stCondLst>
+                                  <p:childTnLst>
+                                    <p:set>
+                                      <p:cBhvr>
+                                        <p:cTn id="67" dur="1" fill="hold">
+                                          <p:stCondLst>
+                                            <p:cond delay="0"/>
+                                          </p:stCondLst>
+                                        </p:cTn>
+                                        <p:tgtEl>
+                                          <p:spTgt spid="30"/>
+                                        </p:tgtEl>
+                                        <p:attrNameLst>
+                                          <p:attrName>style.visibility</p:attrName>
+                                        </p:attrNameLst>
+                                      </p:cBhvr>
+                                      <p:to>
+                                        <p:strVal val="visible"/>
+                                      </p:to>
+                                    </p:set>
+                                    <p:animEffect transition="in" filter="fade">
+                                      <p:cBhvr>
+                                        <p:cTn id="68" dur="1000"/>
+                                        <p:tgtEl>
+                                          <p:spTgt spid="30"/>
+                                        </p:tgtEl>
+                                      </p:cBhvr>
+                                    </p:animEffect>
+                                    <p:anim calcmode="lin" valueType="num">
+                                      <p:cBhvr>
+                                        <p:cTn id="69" dur="1000" fill="hold"/>
+                                        <p:tgtEl>
+                                          <p:spTgt spid="30"/>
+                                        </p:tgtEl>
+                                        <p:attrNameLst>
+                                          <p:attrName>ppt_x</p:attrName>
+                                        </p:attrNameLst>
+                                      </p:cBhvr>
+                                      <p:tavLst>
+                                        <p:tav tm="0">
+                                          <p:val>
+                                            <p:strVal val="#ppt_x"/>
+                                          </p:val>
+                                        </p:tav>
+                                        <p:tav tm="100000">
+                                          <p:val>
+                                            <p:strVal val="#ppt_x"/>
+                                          </p:val>
+                                        </p:tav>
+                                      </p:tavLst>
+                                    </p:anim>
+                                    <p:anim calcmode="lin" valueType="num">
+                                      <p:cBhvr>
+                                        <p:cTn id="70" dur="1000" fill="hold"/>
+                                        <p:tgtEl>
+                                          <p:spTgt spid="30"/>
+                                        </p:tgtEl>
+                                        <p:attrNameLst>
+                                          <p:attrName>ppt_y</p:attrName>
+                                        </p:attrNameLst>
+                                      </p:cBhvr>
+                                      <p:tavLst>
+                                        <p:tav tm="0">
+                                          <p:val>
+                                            <p:strVal val="#ppt_y+.1"/>
+                                          </p:val>
+                                        </p:tav>
+                                        <p:tav tm="100000">
+                                          <p:val>
+                                            <p:strVal val="#ppt_y"/>
+                                          </p:val>
+                                        </p:tav>
+                                      </p:tavLst>
+                                    </p:anim>
+                                  </p:childTnLst>
+                                </p:cTn>
+                              </p:par>
+                              <p:par>
+                                <p:cTn id="71" presetID="42" presetClass="entr" presetSubtype="0" fill="hold" nodeType="withEffect">
+                                  <p:stCondLst>
+                                    <p:cond delay="1000"/>
+                                  </p:stCondLst>
+                                  <p:childTnLst>
+                                    <p:set>
+                                      <p:cBhvr>
+                                        <p:cTn id="72" dur="1" fill="hold">
+                                          <p:stCondLst>
+                                            <p:cond delay="0"/>
+                                          </p:stCondLst>
+                                        </p:cTn>
+                                        <p:tgtEl>
+                                          <p:spTgt spid="13"/>
+                                        </p:tgtEl>
+                                        <p:attrNameLst>
+                                          <p:attrName>style.visibility</p:attrName>
+                                        </p:attrNameLst>
+                                      </p:cBhvr>
+                                      <p:to>
+                                        <p:strVal val="visible"/>
+                                      </p:to>
+                                    </p:set>
+                                    <p:animEffect transition="in" filter="fade">
+                                      <p:cBhvr>
+                                        <p:cTn id="73" dur="1000"/>
+                                        <p:tgtEl>
+                                          <p:spTgt spid="13"/>
+                                        </p:tgtEl>
+                                      </p:cBhvr>
+                                    </p:animEffect>
+                                    <p:anim calcmode="lin" valueType="num">
+                                      <p:cBhvr>
+                                        <p:cTn id="74" dur="1000" fill="hold"/>
+                                        <p:tgtEl>
+                                          <p:spTgt spid="13"/>
+                                        </p:tgtEl>
+                                        <p:attrNameLst>
+                                          <p:attrName>ppt_x</p:attrName>
+                                        </p:attrNameLst>
+                                      </p:cBhvr>
+                                      <p:tavLst>
+                                        <p:tav tm="0">
+                                          <p:val>
+                                            <p:strVal val="#ppt_x"/>
+                                          </p:val>
+                                        </p:tav>
+                                        <p:tav tm="100000">
+                                          <p:val>
+                                            <p:strVal val="#ppt_x"/>
+                                          </p:val>
+                                        </p:tav>
+                                      </p:tavLst>
+                                    </p:anim>
+                                    <p:anim calcmode="lin" valueType="num">
+                                      <p:cBhvr>
+                                        <p:cTn id="75" dur="1000" fill="hold"/>
+                                        <p:tgtEl>
+                                          <p:spTgt spid="13"/>
+                                        </p:tgtEl>
+                                        <p:attrNameLst>
+                                          <p:attrName>ppt_y</p:attrName>
+                                        </p:attrNameLst>
+                                      </p:cBhvr>
+                                      <p:tavLst>
+                                        <p:tav tm="0">
+                                          <p:val>
+                                            <p:strVal val="#ppt_y+.1"/>
+                                          </p:val>
+                                        </p:tav>
+                                        <p:tav tm="100000">
+                                          <p:val>
+                                            <p:strVal val="#ppt_y"/>
+                                          </p:val>
+                                        </p:tav>
+                                      </p:tavLst>
+                                    </p:anim>
+                                  </p:childTnLst>
+                                </p:cTn>
+                              </p:par>
+                              <p:par>
+                                <p:cTn id="76" presetID="42" presetClass="entr" presetSubtype="0" fill="hold" grpId="0" nodeType="withEffect">
+                                  <p:stCondLst>
+                                    <p:cond delay="1000"/>
+                                  </p:stCondLst>
+                                  <p:childTnLst>
+                                    <p:set>
+                                      <p:cBhvr>
+                                        <p:cTn id="77" dur="1" fill="hold">
+                                          <p:stCondLst>
+                                            <p:cond delay="0"/>
+                                          </p:stCondLst>
+                                        </p:cTn>
+                                        <p:tgtEl>
+                                          <p:spTgt spid="21"/>
+                                        </p:tgtEl>
+                                        <p:attrNameLst>
+                                          <p:attrName>style.visibility</p:attrName>
+                                        </p:attrNameLst>
+                                      </p:cBhvr>
+                                      <p:to>
+                                        <p:strVal val="visible"/>
+                                      </p:to>
+                                    </p:set>
+                                    <p:animEffect transition="in" filter="fade">
+                                      <p:cBhvr>
+                                        <p:cTn id="78" dur="1000"/>
+                                        <p:tgtEl>
+                                          <p:spTgt spid="21"/>
+                                        </p:tgtEl>
+                                      </p:cBhvr>
+                                    </p:animEffect>
+                                    <p:anim calcmode="lin" valueType="num">
+                                      <p:cBhvr>
+                                        <p:cTn id="79" dur="1000" fill="hold"/>
+                                        <p:tgtEl>
+                                          <p:spTgt spid="21"/>
+                                        </p:tgtEl>
+                                        <p:attrNameLst>
+                                          <p:attrName>ppt_x</p:attrName>
+                                        </p:attrNameLst>
+                                      </p:cBhvr>
+                                      <p:tavLst>
+                                        <p:tav tm="0">
+                                          <p:val>
+                                            <p:strVal val="#ppt_x"/>
+                                          </p:val>
+                                        </p:tav>
+                                        <p:tav tm="100000">
+                                          <p:val>
+                                            <p:strVal val="#ppt_x"/>
+                                          </p:val>
+                                        </p:tav>
+                                      </p:tavLst>
+                                    </p:anim>
+                                    <p:anim calcmode="lin" valueType="num">
+                                      <p:cBhvr>
+                                        <p:cTn id="80" dur="1000" fill="hold"/>
+                                        <p:tgtEl>
+                                          <p:spTgt spid="21"/>
+                                        </p:tgtEl>
+                                        <p:attrNameLst>
+                                          <p:attrName>ppt_y</p:attrName>
+                                        </p:attrNameLst>
+                                      </p:cBhvr>
+                                      <p:tavLst>
+                                        <p:tav tm="0">
+                                          <p:val>
+                                            <p:strVal val="#ppt_y+.1"/>
+                                          </p:val>
+                                        </p:tav>
+                                        <p:tav tm="100000">
+                                          <p:val>
+                                            <p:strVal val="#ppt_y"/>
+                                          </p:val>
+                                        </p:tav>
+                                      </p:tavLst>
+                                    </p:anim>
+                                  </p:childTnLst>
+                                </p:cTn>
+                              </p:par>
+                            </p:childTnLst>
+                          </p:cTn>
+                        </p:par>
+                      </p:childTnLst>
+                    </p:cTn>
+                  </p:par>
+                  <p:par>
+                    <p:cTn id="81" fill="hold">
+                      <p:stCondLst>
+                        <p:cond delay="indefinite"/>
+                      </p:stCondLst>
+                      <p:childTnLst>
+                        <p:par>
+                          <p:cTn id="82" fill="hold">
+                            <p:stCondLst>
+                              <p:cond delay="0"/>
+                            </p:stCondLst>
+                            <p:childTnLst>
+                              <p:par>
+                                <p:cTn id="83" presetID="42" presetClass="entr" presetSubtype="0" fill="hold" nodeType="clickEffect">
+                                  <p:stCondLst>
+                                    <p:cond delay="0"/>
+                                  </p:stCondLst>
+                                  <p:childTnLst>
+                                    <p:set>
+                                      <p:cBhvr>
+                                        <p:cTn id="84" dur="1" fill="hold">
+                                          <p:stCondLst>
+                                            <p:cond delay="0"/>
+                                          </p:stCondLst>
+                                        </p:cTn>
+                                        <p:tgtEl>
+                                          <p:spTgt spid="26"/>
+                                        </p:tgtEl>
+                                        <p:attrNameLst>
+                                          <p:attrName>style.visibility</p:attrName>
+                                        </p:attrNameLst>
+                                      </p:cBhvr>
+                                      <p:to>
+                                        <p:strVal val="visible"/>
+                                      </p:to>
+                                    </p:set>
+                                    <p:animEffect transition="in" filter="fade">
+                                      <p:cBhvr>
+                                        <p:cTn id="85" dur="1000"/>
+                                        <p:tgtEl>
+                                          <p:spTgt spid="26"/>
+                                        </p:tgtEl>
+                                      </p:cBhvr>
+                                    </p:animEffect>
+                                    <p:anim calcmode="lin" valueType="num">
+                                      <p:cBhvr>
+                                        <p:cTn id="86" dur="1000" fill="hold"/>
+                                        <p:tgtEl>
+                                          <p:spTgt spid="26"/>
+                                        </p:tgtEl>
+                                        <p:attrNameLst>
+                                          <p:attrName>ppt_x</p:attrName>
+                                        </p:attrNameLst>
+                                      </p:cBhvr>
+                                      <p:tavLst>
+                                        <p:tav tm="0">
+                                          <p:val>
+                                            <p:strVal val="#ppt_x"/>
+                                          </p:val>
+                                        </p:tav>
+                                        <p:tav tm="100000">
+                                          <p:val>
+                                            <p:strVal val="#ppt_x"/>
+                                          </p:val>
+                                        </p:tav>
+                                      </p:tavLst>
+                                    </p:anim>
+                                    <p:anim calcmode="lin" valueType="num">
+                                      <p:cBhvr>
+                                        <p:cTn id="87" dur="1000" fill="hold"/>
+                                        <p:tgtEl>
+                                          <p:spTgt spid="26"/>
+                                        </p:tgtEl>
+                                        <p:attrNameLst>
+                                          <p:attrName>ppt_y</p:attrName>
+                                        </p:attrNameLst>
+                                      </p:cBhvr>
+                                      <p:tavLst>
+                                        <p:tav tm="0">
+                                          <p:val>
+                                            <p:strVal val="#ppt_y+.1"/>
+                                          </p:val>
+                                        </p:tav>
+                                        <p:tav tm="100000">
+                                          <p:val>
+                                            <p:strVal val="#ppt_y"/>
+                                          </p:val>
+                                        </p:tav>
+                                      </p:tavLst>
+                                    </p:anim>
+                                  </p:childTnLst>
+                                </p:cTn>
+                              </p:par>
+                              <p:par>
+                                <p:cTn id="88" presetID="42" presetClass="entr" presetSubtype="0" fill="hold" grpId="0" nodeType="withEffect">
+                                  <p:stCondLst>
+                                    <p:cond delay="0"/>
+                                  </p:stCondLst>
+                                  <p:childTnLst>
+                                    <p:set>
+                                      <p:cBhvr>
+                                        <p:cTn id="89" dur="1" fill="hold">
+                                          <p:stCondLst>
+                                            <p:cond delay="0"/>
+                                          </p:stCondLst>
+                                        </p:cTn>
+                                        <p:tgtEl>
+                                          <p:spTgt spid="33"/>
+                                        </p:tgtEl>
+                                        <p:attrNameLst>
+                                          <p:attrName>style.visibility</p:attrName>
+                                        </p:attrNameLst>
+                                      </p:cBhvr>
+                                      <p:to>
+                                        <p:strVal val="visible"/>
+                                      </p:to>
+                                    </p:set>
+                                    <p:animEffect transition="in" filter="fade">
+                                      <p:cBhvr>
+                                        <p:cTn id="90" dur="1000"/>
+                                        <p:tgtEl>
+                                          <p:spTgt spid="33"/>
+                                        </p:tgtEl>
+                                      </p:cBhvr>
+                                    </p:animEffect>
+                                    <p:anim calcmode="lin" valueType="num">
+                                      <p:cBhvr>
+                                        <p:cTn id="91" dur="1000" fill="hold"/>
+                                        <p:tgtEl>
+                                          <p:spTgt spid="33"/>
+                                        </p:tgtEl>
+                                        <p:attrNameLst>
+                                          <p:attrName>ppt_x</p:attrName>
+                                        </p:attrNameLst>
+                                      </p:cBhvr>
+                                      <p:tavLst>
+                                        <p:tav tm="0">
+                                          <p:val>
+                                            <p:strVal val="#ppt_x"/>
+                                          </p:val>
+                                        </p:tav>
+                                        <p:tav tm="100000">
+                                          <p:val>
+                                            <p:strVal val="#ppt_x"/>
+                                          </p:val>
+                                        </p:tav>
+                                      </p:tavLst>
+                                    </p:anim>
+                                    <p:anim calcmode="lin" valueType="num">
+                                      <p:cBhvr>
+                                        <p:cTn id="92" dur="1000" fill="hold"/>
+                                        <p:tgtEl>
+                                          <p:spTgt spid="33"/>
+                                        </p:tgtEl>
+                                        <p:attrNameLst>
+                                          <p:attrName>ppt_y</p:attrName>
+                                        </p:attrNameLst>
+                                      </p:cBhvr>
+                                      <p:tavLst>
+                                        <p:tav tm="0">
+                                          <p:val>
+                                            <p:strVal val="#ppt_y+.1"/>
+                                          </p:val>
+                                        </p:tav>
+                                        <p:tav tm="100000">
+                                          <p:val>
+                                            <p:strVal val="#ppt_y"/>
+                                          </p:val>
+                                        </p:tav>
+                                      </p:tavLst>
+                                    </p:anim>
+                                  </p:childTnLst>
+                                </p:cTn>
+                              </p:par>
+                            </p:childTnLst>
+                          </p:cTn>
+                        </p:par>
+                      </p:childTnLst>
+                    </p:cTn>
+                  </p:par>
+                  <p:par>
+                    <p:cTn id="93" fill="hold">
+                      <p:stCondLst>
+                        <p:cond delay="indefinite"/>
+                      </p:stCondLst>
+                      <p:childTnLst>
+                        <p:par>
+                          <p:cTn id="94" fill="hold">
+                            <p:stCondLst>
+                              <p:cond delay="0"/>
+                            </p:stCondLst>
+                            <p:childTnLst>
+                              <p:par>
+                                <p:cTn id="95" presetID="42" presetClass="entr" presetSubtype="0" fill="hold" nodeType="clickEffect">
+                                  <p:stCondLst>
+                                    <p:cond delay="0"/>
+                                  </p:stCondLst>
+                                  <p:childTnLst>
+                                    <p:set>
+                                      <p:cBhvr>
+                                        <p:cTn id="96" dur="1" fill="hold">
+                                          <p:stCondLst>
+                                            <p:cond delay="0"/>
+                                          </p:stCondLst>
+                                        </p:cTn>
+                                        <p:tgtEl>
+                                          <p:spTgt spid="8"/>
+                                        </p:tgtEl>
+                                        <p:attrNameLst>
+                                          <p:attrName>style.visibility</p:attrName>
+                                        </p:attrNameLst>
+                                      </p:cBhvr>
+                                      <p:to>
+                                        <p:strVal val="visible"/>
+                                      </p:to>
+                                    </p:set>
+                                    <p:animEffect transition="in" filter="fade">
+                                      <p:cBhvr>
+                                        <p:cTn id="97" dur="1000"/>
+                                        <p:tgtEl>
+                                          <p:spTgt spid="8"/>
+                                        </p:tgtEl>
+                                      </p:cBhvr>
+                                    </p:animEffect>
+                                    <p:anim calcmode="lin" valueType="num">
+                                      <p:cBhvr>
+                                        <p:cTn id="98" dur="1000" fill="hold"/>
+                                        <p:tgtEl>
+                                          <p:spTgt spid="8"/>
+                                        </p:tgtEl>
+                                        <p:attrNameLst>
+                                          <p:attrName>ppt_x</p:attrName>
+                                        </p:attrNameLst>
+                                      </p:cBhvr>
+                                      <p:tavLst>
+                                        <p:tav tm="0">
+                                          <p:val>
+                                            <p:strVal val="#ppt_x"/>
+                                          </p:val>
+                                        </p:tav>
+                                        <p:tav tm="100000">
+                                          <p:val>
+                                            <p:strVal val="#ppt_x"/>
+                                          </p:val>
+                                        </p:tav>
+                                      </p:tavLst>
+                                    </p:anim>
+                                    <p:anim calcmode="lin" valueType="num">
+                                      <p:cBhvr>
+                                        <p:cTn id="99" dur="1000" fill="hold"/>
+                                        <p:tgtEl>
+                                          <p:spTgt spid="8"/>
+                                        </p:tgtEl>
+                                        <p:attrNameLst>
+                                          <p:attrName>ppt_y</p:attrName>
+                                        </p:attrNameLst>
+                                      </p:cBhvr>
+                                      <p:tavLst>
+                                        <p:tav tm="0">
+                                          <p:val>
+                                            <p:strVal val="#ppt_y+.1"/>
+                                          </p:val>
+                                        </p:tav>
+                                        <p:tav tm="100000">
+                                          <p:val>
+                                            <p:strVal val="#ppt_y"/>
+                                          </p:val>
+                                        </p:tav>
+                                      </p:tavLst>
+                                    </p:anim>
+                                  </p:childTnLst>
+                                </p:cTn>
+                              </p:par>
+                              <p:par>
+                                <p:cTn id="100" presetID="42" presetClass="entr" presetSubtype="0" fill="hold" grpId="0" nodeType="withEffect">
+                                  <p:stCondLst>
+                                    <p:cond delay="0"/>
+                                  </p:stCondLst>
+                                  <p:childTnLst>
+                                    <p:set>
+                                      <p:cBhvr>
+                                        <p:cTn id="101" dur="1" fill="hold">
+                                          <p:stCondLst>
+                                            <p:cond delay="0"/>
+                                          </p:stCondLst>
+                                        </p:cTn>
+                                        <p:tgtEl>
+                                          <p:spTgt spid="31"/>
+                                        </p:tgtEl>
+                                        <p:attrNameLst>
+                                          <p:attrName>style.visibility</p:attrName>
+                                        </p:attrNameLst>
+                                      </p:cBhvr>
+                                      <p:to>
+                                        <p:strVal val="visible"/>
+                                      </p:to>
+                                    </p:set>
+                                    <p:animEffect transition="in" filter="fade">
+                                      <p:cBhvr>
+                                        <p:cTn id="102" dur="1000"/>
+                                        <p:tgtEl>
+                                          <p:spTgt spid="31"/>
+                                        </p:tgtEl>
+                                      </p:cBhvr>
+                                    </p:animEffect>
+                                    <p:anim calcmode="lin" valueType="num">
+                                      <p:cBhvr>
+                                        <p:cTn id="103" dur="1000" fill="hold"/>
+                                        <p:tgtEl>
+                                          <p:spTgt spid="31"/>
+                                        </p:tgtEl>
+                                        <p:attrNameLst>
+                                          <p:attrName>ppt_x</p:attrName>
+                                        </p:attrNameLst>
+                                      </p:cBhvr>
+                                      <p:tavLst>
+                                        <p:tav tm="0">
+                                          <p:val>
+                                            <p:strVal val="#ppt_x"/>
+                                          </p:val>
+                                        </p:tav>
+                                        <p:tav tm="100000">
+                                          <p:val>
+                                            <p:strVal val="#ppt_x"/>
+                                          </p:val>
+                                        </p:tav>
+                                      </p:tavLst>
+                                    </p:anim>
+                                    <p:anim calcmode="lin" valueType="num">
+                                      <p:cBhvr>
+                                        <p:cTn id="104" dur="1000" fill="hold"/>
+                                        <p:tgtEl>
+                                          <p:spTgt spid="31"/>
+                                        </p:tgtEl>
+                                        <p:attrNameLst>
+                                          <p:attrName>ppt_y</p:attrName>
+                                        </p:attrNameLst>
+                                      </p:cBhvr>
+                                      <p:tavLst>
+                                        <p:tav tm="0">
+                                          <p:val>
+                                            <p:strVal val="#ppt_y+.1"/>
+                                          </p:val>
+                                        </p:tav>
+                                        <p:tav tm="100000">
+                                          <p:val>
+                                            <p:strVal val="#ppt_y"/>
+                                          </p:val>
+                                        </p:tav>
+                                      </p:tavLst>
+                                    </p:anim>
+                                  </p:childTnLst>
+                                </p:cTn>
+                              </p:par>
+                              <p:par>
+                                <p:cTn id="105" presetID="42" presetClass="entr" presetSubtype="0" fill="hold" nodeType="withEffect">
+                                  <p:stCondLst>
+                                    <p:cond delay="1000"/>
+                                  </p:stCondLst>
+                                  <p:childTnLst>
+                                    <p:set>
+                                      <p:cBhvr>
+                                        <p:cTn id="106" dur="1" fill="hold">
+                                          <p:stCondLst>
+                                            <p:cond delay="0"/>
+                                          </p:stCondLst>
+                                        </p:cTn>
+                                        <p:tgtEl>
+                                          <p:spTgt spid="17"/>
+                                        </p:tgtEl>
+                                        <p:attrNameLst>
+                                          <p:attrName>style.visibility</p:attrName>
+                                        </p:attrNameLst>
+                                      </p:cBhvr>
+                                      <p:to>
+                                        <p:strVal val="visible"/>
+                                      </p:to>
+                                    </p:set>
+                                    <p:animEffect transition="in" filter="fade">
+                                      <p:cBhvr>
+                                        <p:cTn id="107" dur="1000"/>
+                                        <p:tgtEl>
+                                          <p:spTgt spid="17"/>
+                                        </p:tgtEl>
+                                      </p:cBhvr>
+                                    </p:animEffect>
+                                    <p:anim calcmode="lin" valueType="num">
+                                      <p:cBhvr>
+                                        <p:cTn id="108" dur="1000" fill="hold"/>
+                                        <p:tgtEl>
+                                          <p:spTgt spid="17"/>
+                                        </p:tgtEl>
+                                        <p:attrNameLst>
+                                          <p:attrName>ppt_x</p:attrName>
+                                        </p:attrNameLst>
+                                      </p:cBhvr>
+                                      <p:tavLst>
+                                        <p:tav tm="0">
+                                          <p:val>
+                                            <p:strVal val="#ppt_x"/>
+                                          </p:val>
+                                        </p:tav>
+                                        <p:tav tm="100000">
+                                          <p:val>
+                                            <p:strVal val="#ppt_x"/>
+                                          </p:val>
+                                        </p:tav>
+                                      </p:tavLst>
+                                    </p:anim>
+                                    <p:anim calcmode="lin" valueType="num">
+                                      <p:cBhvr>
+                                        <p:cTn id="109" dur="1000" fill="hold"/>
+                                        <p:tgtEl>
+                                          <p:spTgt spid="17"/>
+                                        </p:tgtEl>
+                                        <p:attrNameLst>
+                                          <p:attrName>ppt_y</p:attrName>
+                                        </p:attrNameLst>
+                                      </p:cBhvr>
+                                      <p:tavLst>
+                                        <p:tav tm="0">
+                                          <p:val>
+                                            <p:strVal val="#ppt_y+.1"/>
+                                          </p:val>
+                                        </p:tav>
+                                        <p:tav tm="100000">
+                                          <p:val>
+                                            <p:strVal val="#ppt_y"/>
+                                          </p:val>
+                                        </p:tav>
+                                      </p:tavLst>
+                                    </p:anim>
+                                  </p:childTnLst>
+                                </p:cTn>
+                              </p:par>
+                              <p:par>
+                                <p:cTn id="110" presetID="42" presetClass="entr" presetSubtype="0" fill="hold" grpId="0" nodeType="withEffect">
+                                  <p:stCondLst>
+                                    <p:cond delay="1000"/>
+                                  </p:stCondLst>
+                                  <p:childTnLst>
+                                    <p:set>
+                                      <p:cBhvr>
+                                        <p:cTn id="111" dur="1" fill="hold">
+                                          <p:stCondLst>
+                                            <p:cond delay="0"/>
+                                          </p:stCondLst>
+                                        </p:cTn>
+                                        <p:tgtEl>
+                                          <p:spTgt spid="29"/>
+                                        </p:tgtEl>
+                                        <p:attrNameLst>
+                                          <p:attrName>style.visibility</p:attrName>
+                                        </p:attrNameLst>
+                                      </p:cBhvr>
+                                      <p:to>
+                                        <p:strVal val="visible"/>
+                                      </p:to>
+                                    </p:set>
+                                    <p:animEffect transition="in" filter="fade">
+                                      <p:cBhvr>
+                                        <p:cTn id="112" dur="1000"/>
+                                        <p:tgtEl>
+                                          <p:spTgt spid="29"/>
+                                        </p:tgtEl>
+                                      </p:cBhvr>
+                                    </p:animEffect>
+                                    <p:anim calcmode="lin" valueType="num">
+                                      <p:cBhvr>
+                                        <p:cTn id="113" dur="1000" fill="hold"/>
+                                        <p:tgtEl>
+                                          <p:spTgt spid="29"/>
+                                        </p:tgtEl>
+                                        <p:attrNameLst>
+                                          <p:attrName>ppt_x</p:attrName>
+                                        </p:attrNameLst>
+                                      </p:cBhvr>
+                                      <p:tavLst>
+                                        <p:tav tm="0">
+                                          <p:val>
+                                            <p:strVal val="#ppt_x"/>
+                                          </p:val>
+                                        </p:tav>
+                                        <p:tav tm="100000">
+                                          <p:val>
+                                            <p:strVal val="#ppt_x"/>
+                                          </p:val>
+                                        </p:tav>
+                                      </p:tavLst>
+                                    </p:anim>
+                                    <p:anim calcmode="lin" valueType="num">
+                                      <p:cBhvr>
+                                        <p:cTn id="114" dur="1000" fill="hold"/>
+                                        <p:tgtEl>
+                                          <p:spTgt spid="29"/>
+                                        </p:tgtEl>
+                                        <p:attrNameLst>
+                                          <p:attrName>ppt_y</p:attrName>
+                                        </p:attrNameLst>
+                                      </p:cBhvr>
+                                      <p:tavLst>
+                                        <p:tav tm="0">
+                                          <p:val>
+                                            <p:strVal val="#ppt_y+.1"/>
+                                          </p:val>
+                                        </p:tav>
+                                        <p:tav tm="100000">
+                                          <p:val>
+                                            <p:strVal val="#ppt_y"/>
+                                          </p:val>
+                                        </p:tav>
+                                      </p:tavLst>
+                                    </p:anim>
+                                  </p:childTnLst>
+                                </p:cTn>
+                              </p:par>
+                            </p:childTnLst>
+                          </p:cTn>
+                        </p:par>
+                      </p:childTnLst>
+                    </p:cTn>
+                  </p:par>
+                </p:childTnLst>
+              </p:cTn>
+              <p:prevCondLst>
+                <p:cond evt="onPrev" delay="0">
+                  <p:tgtEl>
+                    <p:sldTgt/>
+                  </p:tgtEl>
+                </p:cond>
+              </p:prevCondLst>
+              <p:nextCondLst>
+                <p:cond evt="onNext" delay="0">
+                  <p:tgtEl>
+                    <p:sldTgt/>
+                  </p:tgtEl>
+                </p:cond>
+              </p:nextCondLst>
+            </p:seq>
+          </p:childTnLst>
+        </p:cTn>
       </p:par>
     </p:tnLst>
+    <p:bldLst>
+      <p:bldP spid="9" grpId="0" animBg="1"/>
+      <p:bldP spid="15" grpId="0" animBg="1"/>
+      <p:bldP spid="21" grpId="0" animBg="1"/>
+      <p:bldP spid="29" grpId="0" animBg="1"/>
+      <p:bldP spid="30" grpId="0" animBg="1"/>
+      <p:bldP spid="31" grpId="0" animBg="1"/>
+      <p:bldP spid="33" grpId="0" animBg="1"/>
+      <p:bldP spid="36" grpId="0" animBg="1"/>
+      <p:bldP spid="37" grpId="0" animBg="1"/>
+      <p:bldP spid="38" grpId="0" animBg="1"/>
+    </p:bldLst>
   </p:timing>
 </p:sld>
 </file>
@@ -10916,13 +15095,8 @@
             <a:pPr algn="ctr"/>
             <a:r>
               <a:rPr lang="de-DE" dirty="0" smtClean="0"/>
-              <a:t>Xbox </a:t>
-            </a:r>
-            <a:r>
-              <a:rPr lang="de-DE" dirty="0" smtClean="0"/>
-              <a:t>/ </a:t>
-            </a:r>
-            <a:endParaRPr lang="de-DE" dirty="0" smtClean="0"/>
+              <a:t>Xbox / </a:t>
+            </a:r>
           </a:p>
           <a:p>
             <a:pPr algn="ctr"/>
